--- a/other/workflow.pptx
+++ b/other/workflow.pptx
@@ -5,7 +5,8 @@
     <p:sldMasterId id="2147483672" r:id="rId1"/>
   </p:sldMasterIdLst>
   <p:sldIdLst>
-    <p:sldId id="256" r:id="rId2"/>
+    <p:sldId id="257" r:id="rId2"/>
+    <p:sldId id="256" r:id="rId3"/>
   </p:sldIdLst>
   <p:sldSz cx="24384000" cy="13716000"/>
   <p:notesSz cx="6858000" cy="9144000"/>
@@ -104,6 +105,11 @@
       </a:defRPr>
     </a:lvl9pPr>
   </p:defaultTextStyle>
+  <p:extLst>
+    <p:ext uri="{EFAFB233-063F-42B5-8137-9DF3F51BA10A}">
+      <p15:sldGuideLst xmlns:p15="http://schemas.microsoft.com/office/powerpoint/2012/main"/>
+    </p:ext>
+  </p:extLst>
 </p:presentation>
 </file>
 
@@ -238,7 +244,7 @@
           <a:p>
             <a:fld id="{13D4D963-65A3-4C43-89BE-4288AB55A3CE}" type="datetimeFigureOut">
               <a:rPr lang="en-US" smtClean="0"/>
-              <a:t>3/18/2024</a:t>
+              <a:t>4/4/2024</a:t>
             </a:fld>
             <a:endParaRPr lang="en-US"/>
           </a:p>
@@ -408,7 +414,7 @@
           <a:p>
             <a:fld id="{13D4D963-65A3-4C43-89BE-4288AB55A3CE}" type="datetimeFigureOut">
               <a:rPr lang="en-US" smtClean="0"/>
-              <a:t>3/18/2024</a:t>
+              <a:t>4/4/2024</a:t>
             </a:fld>
             <a:endParaRPr lang="en-US"/>
           </a:p>
@@ -588,7 +594,7 @@
           <a:p>
             <a:fld id="{13D4D963-65A3-4C43-89BE-4288AB55A3CE}" type="datetimeFigureOut">
               <a:rPr lang="en-US" smtClean="0"/>
-              <a:t>3/18/2024</a:t>
+              <a:t>4/4/2024</a:t>
             </a:fld>
             <a:endParaRPr lang="en-US"/>
           </a:p>
@@ -758,7 +764,7 @@
           <a:p>
             <a:fld id="{13D4D963-65A3-4C43-89BE-4288AB55A3CE}" type="datetimeFigureOut">
               <a:rPr lang="en-US" smtClean="0"/>
-              <a:t>3/18/2024</a:t>
+              <a:t>4/4/2024</a:t>
             </a:fld>
             <a:endParaRPr lang="en-US"/>
           </a:p>
@@ -1004,7 +1010,7 @@
           <a:p>
             <a:fld id="{13D4D963-65A3-4C43-89BE-4288AB55A3CE}" type="datetimeFigureOut">
               <a:rPr lang="en-US" smtClean="0"/>
-              <a:t>3/18/2024</a:t>
+              <a:t>4/4/2024</a:t>
             </a:fld>
             <a:endParaRPr lang="en-US"/>
           </a:p>
@@ -1236,7 +1242,7 @@
           <a:p>
             <a:fld id="{13D4D963-65A3-4C43-89BE-4288AB55A3CE}" type="datetimeFigureOut">
               <a:rPr lang="en-US" smtClean="0"/>
-              <a:t>3/18/2024</a:t>
+              <a:t>4/4/2024</a:t>
             </a:fld>
             <a:endParaRPr lang="en-US"/>
           </a:p>
@@ -1603,7 +1609,7 @@
           <a:p>
             <a:fld id="{13D4D963-65A3-4C43-89BE-4288AB55A3CE}" type="datetimeFigureOut">
               <a:rPr lang="en-US" smtClean="0"/>
-              <a:t>3/18/2024</a:t>
+              <a:t>4/4/2024</a:t>
             </a:fld>
             <a:endParaRPr lang="en-US"/>
           </a:p>
@@ -1721,7 +1727,7 @@
           <a:p>
             <a:fld id="{13D4D963-65A3-4C43-89BE-4288AB55A3CE}" type="datetimeFigureOut">
               <a:rPr lang="en-US" smtClean="0"/>
-              <a:t>3/18/2024</a:t>
+              <a:t>4/4/2024</a:t>
             </a:fld>
             <a:endParaRPr lang="en-US"/>
           </a:p>
@@ -1816,7 +1822,7 @@
           <a:p>
             <a:fld id="{13D4D963-65A3-4C43-89BE-4288AB55A3CE}" type="datetimeFigureOut">
               <a:rPr lang="en-US" smtClean="0"/>
-              <a:t>3/18/2024</a:t>
+              <a:t>4/4/2024</a:t>
             </a:fld>
             <a:endParaRPr lang="en-US"/>
           </a:p>
@@ -2093,7 +2099,7 @@
           <a:p>
             <a:fld id="{13D4D963-65A3-4C43-89BE-4288AB55A3CE}" type="datetimeFigureOut">
               <a:rPr lang="en-US" smtClean="0"/>
-              <a:t>3/18/2024</a:t>
+              <a:t>4/4/2024</a:t>
             </a:fld>
             <a:endParaRPr lang="en-US"/>
           </a:p>
@@ -2350,7 +2356,7 @@
           <a:p>
             <a:fld id="{13D4D963-65A3-4C43-89BE-4288AB55A3CE}" type="datetimeFigureOut">
               <a:rPr lang="en-US" smtClean="0"/>
-              <a:t>3/18/2024</a:t>
+              <a:t>4/4/2024</a:t>
             </a:fld>
             <a:endParaRPr lang="en-US"/>
           </a:p>
@@ -2563,7 +2569,7 @@
           <a:p>
             <a:fld id="{13D4D963-65A3-4C43-89BE-4288AB55A3CE}" type="datetimeFigureOut">
               <a:rPr lang="en-US" smtClean="0"/>
-              <a:t>3/18/2024</a:t>
+              <a:t>4/4/2024</a:t>
             </a:fld>
             <a:endParaRPr lang="en-US"/>
           </a:p>
@@ -2953,6 +2959,1937 @@
 
 <file path=ppt/slides/slide1.xml><?xml version="1.0" encoding="utf-8"?>
 <p:sld xmlns:a="http://schemas.openxmlformats.org/drawingml/2006/main" xmlns:r="http://schemas.openxmlformats.org/officeDocument/2006/relationships" xmlns:p="http://schemas.openxmlformats.org/presentationml/2006/main">
+  <p:cSld>
+    <p:spTree>
+      <p:nvGrpSpPr>
+        <p:cNvPr id="1" name=""/>
+        <p:cNvGrpSpPr/>
+        <p:nvPr/>
+      </p:nvGrpSpPr>
+      <p:grpSpPr>
+        <a:xfrm>
+          <a:off x="0" y="0"/>
+          <a:ext cx="0" cy="0"/>
+          <a:chOff x="0" y="0"/>
+          <a:chExt cx="0" cy="0"/>
+        </a:xfrm>
+      </p:grpSpPr>
+      <p:grpSp>
+        <p:nvGrpSpPr>
+          <p:cNvPr id="38" name="Group 37">
+            <a:extLst>
+              <a:ext uri="{FF2B5EF4-FFF2-40B4-BE49-F238E27FC236}">
+                <a16:creationId xmlns:a16="http://schemas.microsoft.com/office/drawing/2014/main" id="{9067DF47-2BD9-7908-AEDE-1223C6230FC6}"/>
+              </a:ext>
+            </a:extLst>
+          </p:cNvPr>
+          <p:cNvGrpSpPr/>
+          <p:nvPr/>
+        </p:nvGrpSpPr>
+        <p:grpSpPr>
+          <a:xfrm>
+            <a:off x="556090" y="527049"/>
+            <a:ext cx="21784547" cy="3830461"/>
+            <a:chOff x="251290" y="4524509"/>
+            <a:chExt cx="16017257" cy="2816377"/>
+          </a:xfrm>
+          <a:effectLst/>
+        </p:grpSpPr>
+        <p:sp>
+          <p:nvSpPr>
+            <p:cNvPr id="1205" name="Rectangle: Rounded Corners 1204">
+              <a:extLst>
+                <a:ext uri="{FF2B5EF4-FFF2-40B4-BE49-F238E27FC236}">
+                  <a16:creationId xmlns:a16="http://schemas.microsoft.com/office/drawing/2014/main" id="{95A44289-065F-39A9-0268-C96559BD0348}"/>
+                </a:ext>
+              </a:extLst>
+            </p:cNvPr>
+            <p:cNvSpPr/>
+            <p:nvPr/>
+          </p:nvSpPr>
+          <p:spPr>
+            <a:xfrm>
+              <a:off x="251290" y="4524509"/>
+              <a:ext cx="16017257" cy="2816377"/>
+            </a:xfrm>
+            <a:prstGeom prst="roundRect">
+              <a:avLst/>
+            </a:prstGeom>
+            <a:noFill/>
+          </p:spPr>
+          <p:style>
+            <a:lnRef idx="2">
+              <a:schemeClr val="accent1">
+                <a:shade val="15000"/>
+              </a:schemeClr>
+            </a:lnRef>
+            <a:fillRef idx="1">
+              <a:schemeClr val="accent1"/>
+            </a:fillRef>
+            <a:effectRef idx="0">
+              <a:schemeClr val="accent1"/>
+            </a:effectRef>
+            <a:fontRef idx="minor">
+              <a:schemeClr val="lt1"/>
+            </a:fontRef>
+          </p:style>
+          <p:txBody>
+            <a:bodyPr rtlCol="0" anchor="ctr"/>
+            <a:lstStyle/>
+            <a:p>
+              <a:pPr algn="ctr"/>
+              <a:endParaRPr lang="en-GB" sz="2800" dirty="0"/>
+            </a:p>
+          </p:txBody>
+        </p:sp>
+        <p:sp>
+          <p:nvSpPr>
+            <p:cNvPr id="15" name="TextBox 14">
+              <a:extLst>
+                <a:ext uri="{FF2B5EF4-FFF2-40B4-BE49-F238E27FC236}">
+                  <a16:creationId xmlns:a16="http://schemas.microsoft.com/office/drawing/2014/main" id="{C931FFB1-A431-CF7E-9D8E-A1748D41614E}"/>
+                </a:ext>
+              </a:extLst>
+            </p:cNvPr>
+            <p:cNvSpPr txBox="1"/>
+            <p:nvPr/>
+          </p:nvSpPr>
+          <p:spPr>
+            <a:xfrm>
+              <a:off x="9094472" y="6080522"/>
+              <a:ext cx="1638008" cy="425628"/>
+            </a:xfrm>
+            <a:prstGeom prst="roundRect">
+              <a:avLst/>
+            </a:prstGeom>
+            <a:solidFill>
+              <a:srgbClr val="414851"/>
+            </a:solidFill>
+            <a:ln>
+              <a:solidFill>
+                <a:schemeClr val="tx1"/>
+              </a:solidFill>
+            </a:ln>
+          </p:spPr>
+          <p:txBody>
+            <a:bodyPr wrap="square" rtlCol="0" anchor="ctr">
+              <a:spAutoFit/>
+            </a:bodyPr>
+            <a:lstStyle/>
+            <a:p>
+              <a:pPr algn="ctr"/>
+              <a:r>
+                <a:rPr lang="fr-CH" sz="2800" b="1" dirty="0" err="1">
+                  <a:solidFill>
+                    <a:schemeClr val="bg1"/>
+                  </a:solidFill>
+                </a:rPr>
+                <a:t>Inference</a:t>
+              </a:r>
+              <a:endParaRPr lang="en-GB" sz="2800" b="1" dirty="0">
+                <a:solidFill>
+                  <a:schemeClr val="bg1"/>
+                </a:solidFill>
+              </a:endParaRPr>
+            </a:p>
+          </p:txBody>
+        </p:sp>
+        <p:sp>
+          <p:nvSpPr>
+            <p:cNvPr id="17" name="TextBox 16">
+              <a:extLst>
+                <a:ext uri="{FF2B5EF4-FFF2-40B4-BE49-F238E27FC236}">
+                  <a16:creationId xmlns:a16="http://schemas.microsoft.com/office/drawing/2014/main" id="{E092C1F8-CF49-5C73-A9B4-DCCA658CD511}"/>
+                </a:ext>
+              </a:extLst>
+            </p:cNvPr>
+            <p:cNvSpPr txBox="1"/>
+            <p:nvPr/>
+          </p:nvSpPr>
+          <p:spPr>
+            <a:xfrm>
+              <a:off x="14278463" y="5551496"/>
+              <a:ext cx="1927800" cy="1477178"/>
+            </a:xfrm>
+            <a:prstGeom prst="roundRect">
+              <a:avLst/>
+            </a:prstGeom>
+            <a:solidFill>
+              <a:srgbClr val="414851"/>
+            </a:solidFill>
+            <a:ln>
+              <a:solidFill>
+                <a:schemeClr val="tx1"/>
+              </a:solidFill>
+            </a:ln>
+          </p:spPr>
+          <p:txBody>
+            <a:bodyPr wrap="square" rtlCol="0" anchor="ctr">
+              <a:spAutoFit/>
+            </a:bodyPr>
+            <a:lstStyle/>
+            <a:p>
+              <a:pPr algn="ctr"/>
+              <a:r>
+                <a:rPr lang="fr-CH" sz="2800" b="1" dirty="0">
+                  <a:solidFill>
+                    <a:schemeClr val="bg1"/>
+                  </a:solidFill>
+                </a:rPr>
+                <a:t>Utilities</a:t>
+              </a:r>
+            </a:p>
+            <a:p>
+              <a:pPr algn="ctr"/>
+              <a:r>
+                <a:rPr lang="fr-CH" sz="2800" dirty="0">
+                  <a:solidFill>
+                    <a:schemeClr val="bg1"/>
+                  </a:solidFill>
+                </a:rPr>
+                <a:t>Post-</a:t>
+              </a:r>
+              <a:r>
+                <a:rPr lang="fr-CH" sz="2800" dirty="0" err="1">
+                  <a:solidFill>
+                    <a:schemeClr val="bg1"/>
+                  </a:solidFill>
+                </a:rPr>
+                <a:t>processing</a:t>
+              </a:r>
+              <a:endParaRPr lang="fr-CH" sz="2800" dirty="0">
+                <a:solidFill>
+                  <a:schemeClr val="bg1"/>
+                </a:solidFill>
+              </a:endParaRPr>
+            </a:p>
+            <a:p>
+              <a:pPr algn="ctr"/>
+              <a:r>
+                <a:rPr lang="fr-CH" sz="2800" dirty="0" err="1">
+                  <a:solidFill>
+                    <a:schemeClr val="bg1"/>
+                  </a:solidFill>
+                </a:rPr>
+                <a:t>Analysis</a:t>
+              </a:r>
+              <a:endParaRPr lang="en-GB" sz="2800" dirty="0">
+                <a:solidFill>
+                  <a:schemeClr val="bg1"/>
+                </a:solidFill>
+              </a:endParaRPr>
+            </a:p>
+          </p:txBody>
+        </p:sp>
+        <p:sp>
+          <p:nvSpPr>
+            <p:cNvPr id="19" name="TextBox 18">
+              <a:extLst>
+                <a:ext uri="{FF2B5EF4-FFF2-40B4-BE49-F238E27FC236}">
+                  <a16:creationId xmlns:a16="http://schemas.microsoft.com/office/drawing/2014/main" id="{D3BD05DB-6063-630D-C3E6-CEC33C53C6C8}"/>
+                </a:ext>
+              </a:extLst>
+            </p:cNvPr>
+            <p:cNvSpPr txBox="1"/>
+            <p:nvPr/>
+          </p:nvSpPr>
+          <p:spPr>
+            <a:xfrm>
+              <a:off x="10941386" y="5730732"/>
+              <a:ext cx="1816690" cy="1126661"/>
+            </a:xfrm>
+            <a:prstGeom prst="roundRect">
+              <a:avLst/>
+            </a:prstGeom>
+            <a:solidFill>
+              <a:srgbClr val="414851"/>
+            </a:solidFill>
+            <a:ln>
+              <a:solidFill>
+                <a:schemeClr val="tx1"/>
+              </a:solidFill>
+            </a:ln>
+          </p:spPr>
+          <p:txBody>
+            <a:bodyPr wrap="square" rtlCol="0" anchor="ctr">
+              <a:spAutoFit/>
+            </a:bodyPr>
+            <a:lstStyle/>
+            <a:p>
+              <a:pPr algn="ctr"/>
+              <a:r>
+                <a:rPr lang="fr-CH" sz="2800" b="1" dirty="0" err="1">
+                  <a:solidFill>
+                    <a:schemeClr val="bg1"/>
+                  </a:solidFill>
+                </a:rPr>
+                <a:t>Review</a:t>
+              </a:r>
+              <a:endParaRPr lang="fr-CH" sz="2800" b="1" dirty="0">
+                <a:solidFill>
+                  <a:schemeClr val="bg1"/>
+                </a:solidFill>
+              </a:endParaRPr>
+            </a:p>
+            <a:p>
+              <a:pPr algn="ctr"/>
+              <a:r>
+                <a:rPr lang="fr-CH" sz="2800" dirty="0">
+                  <a:solidFill>
+                    <a:schemeClr val="bg1"/>
+                  </a:solidFill>
+                </a:rPr>
+                <a:t>Partial correction</a:t>
+              </a:r>
+              <a:endParaRPr lang="en-GB" sz="2800" dirty="0">
+                <a:solidFill>
+                  <a:schemeClr val="bg1"/>
+                </a:solidFill>
+              </a:endParaRPr>
+            </a:p>
+          </p:txBody>
+        </p:sp>
+        <p:sp>
+          <p:nvSpPr>
+            <p:cNvPr id="23" name="TextBox 22">
+              <a:extLst>
+                <a:ext uri="{FF2B5EF4-FFF2-40B4-BE49-F238E27FC236}">
+                  <a16:creationId xmlns:a16="http://schemas.microsoft.com/office/drawing/2014/main" id="{538C71F6-1416-A897-3332-34A3497F94C5}"/>
+                </a:ext>
+              </a:extLst>
+            </p:cNvPr>
+            <p:cNvSpPr txBox="1"/>
+            <p:nvPr/>
+          </p:nvSpPr>
+          <p:spPr>
+            <a:xfrm>
+              <a:off x="13017770" y="6085120"/>
+              <a:ext cx="1051786" cy="425628"/>
+            </a:xfrm>
+            <a:prstGeom prst="roundRect">
+              <a:avLst/>
+            </a:prstGeom>
+            <a:noFill/>
+            <a:ln>
+              <a:solidFill>
+                <a:schemeClr val="tx1"/>
+              </a:solidFill>
+            </a:ln>
+          </p:spPr>
+          <p:txBody>
+            <a:bodyPr wrap="square" rtlCol="0" anchor="ctr">
+              <a:spAutoFit/>
+            </a:bodyPr>
+            <a:lstStyle/>
+            <a:p>
+              <a:pPr algn="ctr"/>
+              <a:r>
+                <a:rPr lang="fr-CH" sz="2800" dirty="0"/>
+                <a:t>Labels</a:t>
+              </a:r>
+            </a:p>
+          </p:txBody>
+        </p:sp>
+        <p:pic>
+          <p:nvPicPr>
+            <p:cNvPr id="1225" name="Graphic 1224" descr="Bar chart with solid fill">
+              <a:extLst>
+                <a:ext uri="{FF2B5EF4-FFF2-40B4-BE49-F238E27FC236}">
+                  <a16:creationId xmlns:a16="http://schemas.microsoft.com/office/drawing/2014/main" id="{6927392A-1D22-2B9D-8CC3-FA1860D529AC}"/>
+                </a:ext>
+              </a:extLst>
+            </p:cNvPr>
+            <p:cNvPicPr>
+              <a:picLocks noChangeAspect="1"/>
+            </p:cNvPicPr>
+            <p:nvPr/>
+          </p:nvPicPr>
+          <p:blipFill>
+            <a:blip r:embed="rId2">
+              <a:extLst>
+                <a:ext uri="{28A0092B-C50C-407E-A947-70E740481C1C}">
+                  <a14:useLocalDpi xmlns:a14="http://schemas.microsoft.com/office/drawing/2010/main" val="0"/>
+                </a:ext>
+                <a:ext uri="{96DAC541-7B7A-43D3-8B79-37D633B846F1}">
+                  <asvg:svgBlip xmlns:asvg="http://schemas.microsoft.com/office/drawing/2016/SVG/main" r:embed="rId3"/>
+                </a:ext>
+              </a:extLst>
+            </a:blip>
+            <a:stretch>
+              <a:fillRect/>
+            </a:stretch>
+          </p:blipFill>
+          <p:spPr>
+            <a:xfrm>
+              <a:off x="9696939" y="6500447"/>
+              <a:ext cx="408625" cy="408625"/>
+            </a:xfrm>
+            <a:prstGeom prst="rect">
+              <a:avLst/>
+            </a:prstGeom>
+            <a:effectLst>
+              <a:outerShdw blurRad="50800" dist="38100" dir="2700000" algn="tl" rotWithShape="0">
+                <a:prstClr val="black">
+                  <a:alpha val="40000"/>
+                </a:prstClr>
+              </a:outerShdw>
+            </a:effectLst>
+            <a:scene3d>
+              <a:camera prst="orthographicFront">
+                <a:rot lat="0" lon="10800000" rev="0"/>
+              </a:camera>
+              <a:lightRig rig="threePt" dir="t"/>
+            </a:scene3d>
+          </p:spPr>
+        </p:pic>
+        <p:pic>
+          <p:nvPicPr>
+            <p:cNvPr id="1227" name="Graphic 1226" descr="Mining tools with solid fill">
+              <a:extLst>
+                <a:ext uri="{FF2B5EF4-FFF2-40B4-BE49-F238E27FC236}">
+                  <a16:creationId xmlns:a16="http://schemas.microsoft.com/office/drawing/2014/main" id="{47E0BFEC-4A1B-E497-AE71-D96C5A7AD76D}"/>
+                </a:ext>
+              </a:extLst>
+            </p:cNvPr>
+            <p:cNvPicPr>
+              <a:picLocks noChangeAspect="1"/>
+            </p:cNvPicPr>
+            <p:nvPr/>
+          </p:nvPicPr>
+          <p:blipFill>
+            <a:blip r:embed="rId4">
+              <a:extLst>
+                <a:ext uri="{28A0092B-C50C-407E-A947-70E740481C1C}">
+                  <a14:useLocalDpi xmlns:a14="http://schemas.microsoft.com/office/drawing/2010/main" val="0"/>
+                </a:ext>
+                <a:ext uri="{96DAC541-7B7A-43D3-8B79-37D633B846F1}">
+                  <asvg:svgBlip xmlns:asvg="http://schemas.microsoft.com/office/drawing/2016/SVG/main" r:embed="rId5"/>
+                </a:ext>
+              </a:extLst>
+            </a:blip>
+            <a:stretch>
+              <a:fillRect/>
+            </a:stretch>
+          </p:blipFill>
+          <p:spPr>
+            <a:xfrm>
+              <a:off x="15047595" y="5110258"/>
+              <a:ext cx="386332" cy="386332"/>
+            </a:xfrm>
+            <a:prstGeom prst="rect">
+              <a:avLst/>
+            </a:prstGeom>
+            <a:effectLst/>
+          </p:spPr>
+        </p:pic>
+        <p:pic>
+          <p:nvPicPr>
+            <p:cNvPr id="10" name="Picture 9" descr="napari · GitHub">
+              <a:extLst>
+                <a:ext uri="{FF2B5EF4-FFF2-40B4-BE49-F238E27FC236}">
+                  <a16:creationId xmlns:a16="http://schemas.microsoft.com/office/drawing/2014/main" id="{A149C26E-3841-D83F-EBE7-F005875DF2EA}"/>
+                </a:ext>
+              </a:extLst>
+            </p:cNvPr>
+            <p:cNvPicPr>
+              <a:picLocks noChangeAspect="1" noChangeArrowheads="1"/>
+            </p:cNvPicPr>
+            <p:nvPr/>
+          </p:nvPicPr>
+          <p:blipFill>
+            <a:blip r:embed="rId6">
+              <a:extLst>
+                <a:ext uri="{28A0092B-C50C-407E-A947-70E740481C1C}">
+                  <a14:useLocalDpi xmlns:a14="http://schemas.microsoft.com/office/drawing/2010/main" val="0"/>
+                </a:ext>
+              </a:extLst>
+            </a:blip>
+            <a:srcRect/>
+            <a:stretch>
+              <a:fillRect/>
+            </a:stretch>
+          </p:blipFill>
+          <p:spPr bwMode="auto">
+            <a:xfrm>
+              <a:off x="10502026" y="6195391"/>
+              <a:ext cx="201215" cy="201215"/>
+            </a:xfrm>
+            <a:prstGeom prst="rect">
+              <a:avLst/>
+            </a:prstGeom>
+            <a:noFill/>
+            <a:extLst>
+              <a:ext uri="{909E8E84-426E-40DD-AFC4-6F175D3DCCD1}">
+                <a14:hiddenFill xmlns:a14="http://schemas.microsoft.com/office/drawing/2010/main">
+                  <a:solidFill>
+                    <a:srgbClr val="FFFFFF"/>
+                  </a:solidFill>
+                </a14:hiddenFill>
+              </a:ext>
+            </a:extLst>
+          </p:spPr>
+        </p:pic>
+        <p:pic>
+          <p:nvPicPr>
+            <p:cNvPr id="26" name="Picture 25" descr="napari · GitHub">
+              <a:extLst>
+                <a:ext uri="{FF2B5EF4-FFF2-40B4-BE49-F238E27FC236}">
+                  <a16:creationId xmlns:a16="http://schemas.microsoft.com/office/drawing/2014/main" id="{3D9F745B-C776-733A-89AC-66D6048DD700}"/>
+                </a:ext>
+              </a:extLst>
+            </p:cNvPr>
+            <p:cNvPicPr>
+              <a:picLocks noChangeAspect="1" noChangeArrowheads="1"/>
+            </p:cNvPicPr>
+            <p:nvPr/>
+          </p:nvPicPr>
+          <p:blipFill>
+            <a:blip r:embed="rId6">
+              <a:extLst>
+                <a:ext uri="{28A0092B-C50C-407E-A947-70E740481C1C}">
+                  <a14:useLocalDpi xmlns:a14="http://schemas.microsoft.com/office/drawing/2010/main" val="0"/>
+                </a:ext>
+              </a:extLst>
+            </a:blip>
+            <a:srcRect/>
+            <a:stretch>
+              <a:fillRect/>
+            </a:stretch>
+          </p:blipFill>
+          <p:spPr bwMode="auto">
+            <a:xfrm>
+              <a:off x="12349836" y="5859434"/>
+              <a:ext cx="261990" cy="261990"/>
+            </a:xfrm>
+            <a:prstGeom prst="rect">
+              <a:avLst/>
+            </a:prstGeom>
+            <a:noFill/>
+            <a:extLst>
+              <a:ext uri="{909E8E84-426E-40DD-AFC4-6F175D3DCCD1}">
+                <a14:hiddenFill xmlns:a14="http://schemas.microsoft.com/office/drawing/2010/main">
+                  <a:solidFill>
+                    <a:srgbClr val="FFFFFF"/>
+                  </a:solidFill>
+                </a14:hiddenFill>
+              </a:ext>
+            </a:extLst>
+          </p:spPr>
+        </p:pic>
+        <p:pic>
+          <p:nvPicPr>
+            <p:cNvPr id="27" name="Picture 26" descr="napari · GitHub">
+              <a:extLst>
+                <a:ext uri="{FF2B5EF4-FFF2-40B4-BE49-F238E27FC236}">
+                  <a16:creationId xmlns:a16="http://schemas.microsoft.com/office/drawing/2014/main" id="{94A4C56E-A731-DBE0-45E9-929A01E9652C}"/>
+                </a:ext>
+              </a:extLst>
+            </p:cNvPr>
+            <p:cNvPicPr>
+              <a:picLocks noChangeAspect="1" noChangeArrowheads="1"/>
+            </p:cNvPicPr>
+            <p:nvPr/>
+          </p:nvPicPr>
+          <p:blipFill>
+            <a:blip r:embed="rId6">
+              <a:extLst>
+                <a:ext uri="{28A0092B-C50C-407E-A947-70E740481C1C}">
+                  <a14:useLocalDpi xmlns:a14="http://schemas.microsoft.com/office/drawing/2010/main" val="0"/>
+                </a:ext>
+              </a:extLst>
+            </a:blip>
+            <a:srcRect/>
+            <a:stretch>
+              <a:fillRect/>
+            </a:stretch>
+          </p:blipFill>
+          <p:spPr bwMode="auto">
+            <a:xfrm>
+              <a:off x="15757778" y="5661832"/>
+              <a:ext cx="295120" cy="295120"/>
+            </a:xfrm>
+            <a:prstGeom prst="rect">
+              <a:avLst/>
+            </a:prstGeom>
+            <a:noFill/>
+            <a:extLst>
+              <a:ext uri="{909E8E84-426E-40DD-AFC4-6F175D3DCCD1}">
+                <a14:hiddenFill xmlns:a14="http://schemas.microsoft.com/office/drawing/2010/main">
+                  <a:solidFill>
+                    <a:srgbClr val="FFFFFF"/>
+                  </a:solidFill>
+                </a14:hiddenFill>
+              </a:ext>
+            </a:extLst>
+          </p:spPr>
+        </p:pic>
+        <p:pic>
+          <p:nvPicPr>
+            <p:cNvPr id="31" name="Graphic 30" descr="Magnifying glass with solid fill">
+              <a:extLst>
+                <a:ext uri="{FF2B5EF4-FFF2-40B4-BE49-F238E27FC236}">
+                  <a16:creationId xmlns:a16="http://schemas.microsoft.com/office/drawing/2014/main" id="{F23D56F5-7AD5-A375-7DA2-2291C746DC60}"/>
+                </a:ext>
+              </a:extLst>
+            </p:cNvPr>
+            <p:cNvPicPr>
+              <a:picLocks noChangeAspect="1"/>
+            </p:cNvPicPr>
+            <p:nvPr/>
+          </p:nvPicPr>
+          <p:blipFill>
+            <a:blip r:embed="rId7">
+              <a:extLst>
+                <a:ext uri="{28A0092B-C50C-407E-A947-70E740481C1C}">
+                  <a14:useLocalDpi xmlns:a14="http://schemas.microsoft.com/office/drawing/2010/main" val="0"/>
+                </a:ext>
+                <a:ext uri="{96DAC541-7B7A-43D3-8B79-37D633B846F1}">
+                  <asvg:svgBlip xmlns:asvg="http://schemas.microsoft.com/office/drawing/2016/SVG/main" r:embed="rId8"/>
+                </a:ext>
+              </a:extLst>
+            </a:blip>
+            <a:stretch>
+              <a:fillRect/>
+            </a:stretch>
+          </p:blipFill>
+          <p:spPr>
+            <a:xfrm>
+              <a:off x="11651545" y="5387313"/>
+              <a:ext cx="396348" cy="396348"/>
+            </a:xfrm>
+            <a:prstGeom prst="rect">
+              <a:avLst/>
+            </a:prstGeom>
+            <a:effectLst/>
+          </p:spPr>
+        </p:pic>
+      </p:grpSp>
+      <p:sp>
+        <p:nvSpPr>
+          <p:cNvPr id="2" name="TextBox 1">
+            <a:extLst>
+              <a:ext uri="{FF2B5EF4-FFF2-40B4-BE49-F238E27FC236}">
+                <a16:creationId xmlns:a16="http://schemas.microsoft.com/office/drawing/2014/main" id="{9262F123-647E-41A0-65EC-FA35B3F94B4A}"/>
+              </a:ext>
+            </a:extLst>
+          </p:cNvPr>
+          <p:cNvSpPr txBox="1"/>
+          <p:nvPr/>
+        </p:nvSpPr>
+        <p:spPr>
+          <a:xfrm>
+            <a:off x="718110" y="2400546"/>
+            <a:ext cx="1430500" cy="1055608"/>
+          </a:xfrm>
+          <a:prstGeom prst="roundRect">
+            <a:avLst/>
+          </a:prstGeom>
+          <a:noFill/>
+          <a:ln>
+            <a:solidFill>
+              <a:schemeClr val="tx1"/>
+            </a:solidFill>
+          </a:ln>
+          <a:effectLst/>
+        </p:spPr>
+        <p:txBody>
+          <a:bodyPr wrap="square" rtlCol="0" anchor="ctr">
+            <a:spAutoFit/>
+          </a:bodyPr>
+          <a:lstStyle/>
+          <a:p>
+            <a:pPr algn="ctr"/>
+            <a:r>
+              <a:rPr lang="fr-CH" sz="2800" dirty="0"/>
+              <a:t>Raw data</a:t>
+            </a:r>
+            <a:endParaRPr lang="en-GB" sz="2800" dirty="0"/>
+          </a:p>
+        </p:txBody>
+      </p:sp>
+      <p:sp>
+        <p:nvSpPr>
+          <p:cNvPr id="4" name="TextBox 3">
+            <a:extLst>
+              <a:ext uri="{FF2B5EF4-FFF2-40B4-BE49-F238E27FC236}">
+                <a16:creationId xmlns:a16="http://schemas.microsoft.com/office/drawing/2014/main" id="{CF67F3F1-3546-CD87-9729-2B3403435256}"/>
+              </a:ext>
+            </a:extLst>
+          </p:cNvPr>
+          <p:cNvSpPr txBox="1"/>
+          <p:nvPr/>
+        </p:nvSpPr>
+        <p:spPr>
+          <a:xfrm>
+            <a:off x="6863645" y="2907782"/>
+            <a:ext cx="1430500" cy="578882"/>
+          </a:xfrm>
+          <a:prstGeom prst="roundRect">
+            <a:avLst/>
+          </a:prstGeom>
+          <a:noFill/>
+          <a:ln>
+            <a:solidFill>
+              <a:schemeClr val="tx1"/>
+            </a:solidFill>
+          </a:ln>
+          <a:effectLst/>
+        </p:spPr>
+        <p:txBody>
+          <a:bodyPr wrap="square" rtlCol="0" anchor="ctr">
+            <a:spAutoFit/>
+          </a:bodyPr>
+          <a:lstStyle/>
+          <a:p>
+            <a:pPr algn="ctr"/>
+            <a:r>
+              <a:rPr lang="fr-CH" sz="2800" dirty="0"/>
+              <a:t>Labels</a:t>
+            </a:r>
+          </a:p>
+        </p:txBody>
+      </p:sp>
+      <p:sp>
+        <p:nvSpPr>
+          <p:cNvPr id="14" name="TextBox 13">
+            <a:extLst>
+              <a:ext uri="{FF2B5EF4-FFF2-40B4-BE49-F238E27FC236}">
+                <a16:creationId xmlns:a16="http://schemas.microsoft.com/office/drawing/2014/main" id="{95741E98-513D-F85D-5E2D-0814873D38B1}"/>
+              </a:ext>
+            </a:extLst>
+          </p:cNvPr>
+          <p:cNvSpPr txBox="1"/>
+          <p:nvPr/>
+        </p:nvSpPr>
+        <p:spPr>
+          <a:xfrm>
+            <a:off x="4153646" y="2162185"/>
+            <a:ext cx="2236853" cy="1532334"/>
+          </a:xfrm>
+          <a:prstGeom prst="roundRect">
+            <a:avLst/>
+          </a:prstGeom>
+          <a:solidFill>
+            <a:srgbClr val="414851"/>
+          </a:solidFill>
+          <a:ln>
+            <a:solidFill>
+              <a:schemeClr val="tx1"/>
+            </a:solidFill>
+          </a:ln>
+          <a:effectLst/>
+        </p:spPr>
+        <p:txBody>
+          <a:bodyPr wrap="square" rtlCol="0" anchor="ctr">
+            <a:spAutoFit/>
+          </a:bodyPr>
+          <a:lstStyle/>
+          <a:p>
+            <a:pPr algn="ctr"/>
+            <a:r>
+              <a:rPr lang="fr-CH" sz="2800" b="1" dirty="0" err="1">
+                <a:solidFill>
+                  <a:schemeClr val="bg1"/>
+                </a:solidFill>
+              </a:rPr>
+              <a:t>Review</a:t>
+            </a:r>
+            <a:endParaRPr lang="fr-CH" sz="2800" b="1" dirty="0">
+              <a:solidFill>
+                <a:schemeClr val="bg1"/>
+              </a:solidFill>
+            </a:endParaRPr>
+          </a:p>
+          <a:p>
+            <a:pPr algn="ctr"/>
+            <a:r>
+              <a:rPr lang="fr-CH" sz="2800" dirty="0">
+                <a:solidFill>
+                  <a:schemeClr val="bg1"/>
+                </a:solidFill>
+              </a:rPr>
+              <a:t>Full annotation</a:t>
+            </a:r>
+            <a:endParaRPr lang="en-GB" sz="2800" dirty="0">
+              <a:solidFill>
+                <a:schemeClr val="bg1"/>
+              </a:solidFill>
+            </a:endParaRPr>
+          </a:p>
+        </p:txBody>
+      </p:sp>
+      <p:sp>
+        <p:nvSpPr>
+          <p:cNvPr id="18" name="TextBox 17">
+            <a:extLst>
+              <a:ext uri="{FF2B5EF4-FFF2-40B4-BE49-F238E27FC236}">
+                <a16:creationId xmlns:a16="http://schemas.microsoft.com/office/drawing/2014/main" id="{4CFB00BA-4F63-C265-B109-C1FCDA22ADF8}"/>
+              </a:ext>
+            </a:extLst>
+          </p:cNvPr>
+          <p:cNvSpPr txBox="1"/>
+          <p:nvPr/>
+        </p:nvSpPr>
+        <p:spPr>
+          <a:xfrm>
+            <a:off x="2278657" y="2411223"/>
+            <a:ext cx="1688735" cy="1055608"/>
+          </a:xfrm>
+          <a:prstGeom prst="roundRect">
+            <a:avLst/>
+          </a:prstGeom>
+          <a:noFill/>
+          <a:ln>
+            <a:solidFill>
+              <a:schemeClr val="tx1"/>
+            </a:solidFill>
+          </a:ln>
+          <a:effectLst/>
+        </p:spPr>
+        <p:txBody>
+          <a:bodyPr wrap="square" rtlCol="0" anchor="ctr">
+            <a:spAutoFit/>
+          </a:bodyPr>
+          <a:lstStyle/>
+          <a:p>
+            <a:pPr algn="ctr"/>
+            <a:r>
+              <a:rPr lang="fr-CH" sz="2800" dirty="0"/>
+              <a:t>Training </a:t>
+            </a:r>
+          </a:p>
+          <a:p>
+            <a:pPr algn="ctr"/>
+            <a:r>
+              <a:rPr lang="fr-CH" sz="2800" dirty="0"/>
+              <a:t>data</a:t>
+            </a:r>
+            <a:endParaRPr lang="en-GB" sz="2800" dirty="0"/>
+          </a:p>
+        </p:txBody>
+      </p:sp>
+      <p:cxnSp>
+        <p:nvCxnSpPr>
+          <p:cNvPr id="34" name="Straight Arrow Connector 33">
+            <a:extLst>
+              <a:ext uri="{FF2B5EF4-FFF2-40B4-BE49-F238E27FC236}">
+                <a16:creationId xmlns:a16="http://schemas.microsoft.com/office/drawing/2014/main" id="{0AA5C0BD-8BF7-5EA3-220C-5C9B440E9D9B}"/>
+              </a:ext>
+            </a:extLst>
+          </p:cNvPr>
+          <p:cNvCxnSpPr>
+            <a:cxnSpLocks/>
+            <a:stCxn id="2" idx="3"/>
+            <a:endCxn id="18" idx="1"/>
+          </p:cNvCxnSpPr>
+          <p:nvPr/>
+        </p:nvCxnSpPr>
+        <p:spPr>
+          <a:xfrm>
+            <a:off x="2148610" y="2928350"/>
+            <a:ext cx="130047" cy="10677"/>
+          </a:xfrm>
+          <a:prstGeom prst="straightConnector1">
+            <a:avLst/>
+          </a:prstGeom>
+          <a:ln>
+            <a:tailEnd type="triangle"/>
+          </a:ln>
+          <a:effectLst/>
+        </p:spPr>
+        <p:style>
+          <a:lnRef idx="2">
+            <a:schemeClr val="dk1"/>
+          </a:lnRef>
+          <a:fillRef idx="0">
+            <a:schemeClr val="dk1"/>
+          </a:fillRef>
+          <a:effectRef idx="1">
+            <a:schemeClr val="dk1"/>
+          </a:effectRef>
+          <a:fontRef idx="minor">
+            <a:schemeClr val="tx1"/>
+          </a:fontRef>
+        </p:style>
+      </p:cxnSp>
+      <p:sp>
+        <p:nvSpPr>
+          <p:cNvPr id="21" name="TextBox 20">
+            <a:extLst>
+              <a:ext uri="{FF2B5EF4-FFF2-40B4-BE49-F238E27FC236}">
+                <a16:creationId xmlns:a16="http://schemas.microsoft.com/office/drawing/2014/main" id="{2967B8DD-FC68-4514-A87B-AC6DD313BF61}"/>
+              </a:ext>
+            </a:extLst>
+          </p:cNvPr>
+          <p:cNvSpPr txBox="1"/>
+          <p:nvPr/>
+        </p:nvSpPr>
+        <p:spPr>
+          <a:xfrm>
+            <a:off x="12450317" y="1211879"/>
+            <a:ext cx="2493678" cy="1055608"/>
+          </a:xfrm>
+          <a:prstGeom prst="roundRect">
+            <a:avLst/>
+          </a:prstGeom>
+          <a:noFill/>
+          <a:ln>
+            <a:solidFill>
+              <a:schemeClr val="tx1"/>
+            </a:solidFill>
+          </a:ln>
+          <a:effectLst/>
+        </p:spPr>
+        <p:txBody>
+          <a:bodyPr wrap="square" rtlCol="0" anchor="ctr">
+            <a:spAutoFit/>
+          </a:bodyPr>
+          <a:lstStyle/>
+          <a:p>
+            <a:pPr algn="ctr"/>
+            <a:r>
+              <a:rPr lang="fr-CH" sz="2800" dirty="0"/>
+              <a:t>Pre-</a:t>
+            </a:r>
+            <a:r>
+              <a:rPr lang="fr-CH" sz="2800" dirty="0" err="1"/>
+              <a:t>trained</a:t>
+            </a:r>
+            <a:r>
+              <a:rPr lang="fr-CH" sz="2800" dirty="0"/>
+              <a:t> model</a:t>
+            </a:r>
+            <a:endParaRPr lang="en-GB" sz="2800" dirty="0"/>
+          </a:p>
+        </p:txBody>
+      </p:sp>
+      <p:cxnSp>
+        <p:nvCxnSpPr>
+          <p:cNvPr id="43" name="Straight Arrow Connector 42">
+            <a:extLst>
+              <a:ext uri="{FF2B5EF4-FFF2-40B4-BE49-F238E27FC236}">
+                <a16:creationId xmlns:a16="http://schemas.microsoft.com/office/drawing/2014/main" id="{F8E2DED2-BD8B-C9D8-E3A0-75BE7DC4A26C}"/>
+              </a:ext>
+            </a:extLst>
+          </p:cNvPr>
+          <p:cNvCxnSpPr>
+            <a:cxnSpLocks/>
+            <a:stCxn id="21" idx="2"/>
+            <a:endCxn id="15" idx="0"/>
+          </p:cNvCxnSpPr>
+          <p:nvPr/>
+        </p:nvCxnSpPr>
+        <p:spPr>
+          <a:xfrm>
+            <a:off x="13697156" y="2267487"/>
+            <a:ext cx="157" cy="375844"/>
+          </a:xfrm>
+          <a:prstGeom prst="straightConnector1">
+            <a:avLst/>
+          </a:prstGeom>
+          <a:ln>
+            <a:solidFill>
+              <a:schemeClr val="tx1"/>
+            </a:solidFill>
+            <a:tailEnd type="triangle"/>
+          </a:ln>
+          <a:effectLst/>
+        </p:spPr>
+        <p:style>
+          <a:lnRef idx="2">
+            <a:schemeClr val="accent1"/>
+          </a:lnRef>
+          <a:fillRef idx="0">
+            <a:schemeClr val="accent1"/>
+          </a:fillRef>
+          <a:effectRef idx="1">
+            <a:schemeClr val="accent1"/>
+          </a:effectRef>
+          <a:fontRef idx="minor">
+            <a:schemeClr val="tx1"/>
+          </a:fontRef>
+        </p:style>
+      </p:cxnSp>
+      <p:cxnSp>
+        <p:nvCxnSpPr>
+          <p:cNvPr id="53" name="Straight Arrow Connector 52">
+            <a:extLst>
+              <a:ext uri="{FF2B5EF4-FFF2-40B4-BE49-F238E27FC236}">
+                <a16:creationId xmlns:a16="http://schemas.microsoft.com/office/drawing/2014/main" id="{2719FD48-E8E6-8E6F-C4A1-B4E1A70F0EC0}"/>
+              </a:ext>
+            </a:extLst>
+          </p:cNvPr>
+          <p:cNvCxnSpPr>
+            <a:cxnSpLocks/>
+            <a:stCxn id="15" idx="3"/>
+            <a:endCxn id="19" idx="1"/>
+          </p:cNvCxnSpPr>
+          <p:nvPr/>
+        </p:nvCxnSpPr>
+        <p:spPr>
+          <a:xfrm>
+            <a:off x="14811213" y="2932773"/>
+            <a:ext cx="284127" cy="987"/>
+          </a:xfrm>
+          <a:prstGeom prst="straightConnector1">
+            <a:avLst/>
+          </a:prstGeom>
+          <a:ln>
+            <a:tailEnd type="triangle"/>
+          </a:ln>
+          <a:effectLst/>
+        </p:spPr>
+        <p:style>
+          <a:lnRef idx="2">
+            <a:schemeClr val="dk1"/>
+          </a:lnRef>
+          <a:fillRef idx="0">
+            <a:schemeClr val="dk1"/>
+          </a:fillRef>
+          <a:effectRef idx="1">
+            <a:schemeClr val="dk1"/>
+          </a:effectRef>
+          <a:fontRef idx="minor">
+            <a:schemeClr val="tx1"/>
+          </a:fontRef>
+        </p:style>
+      </p:cxnSp>
+      <p:cxnSp>
+        <p:nvCxnSpPr>
+          <p:cNvPr id="62" name="Straight Arrow Connector 61">
+            <a:extLst>
+              <a:ext uri="{FF2B5EF4-FFF2-40B4-BE49-F238E27FC236}">
+                <a16:creationId xmlns:a16="http://schemas.microsoft.com/office/drawing/2014/main" id="{2CB78103-777D-D30C-DC5F-A5426F839074}"/>
+              </a:ext>
+            </a:extLst>
+          </p:cNvPr>
+          <p:cNvCxnSpPr>
+            <a:cxnSpLocks/>
+            <a:stCxn id="19" idx="3"/>
+            <a:endCxn id="23" idx="1"/>
+          </p:cNvCxnSpPr>
+          <p:nvPr/>
+        </p:nvCxnSpPr>
+        <p:spPr>
+          <a:xfrm>
+            <a:off x="17566161" y="2933760"/>
+            <a:ext cx="353201" cy="5267"/>
+          </a:xfrm>
+          <a:prstGeom prst="straightConnector1">
+            <a:avLst/>
+          </a:prstGeom>
+          <a:ln>
+            <a:tailEnd type="triangle"/>
+          </a:ln>
+          <a:effectLst/>
+        </p:spPr>
+        <p:style>
+          <a:lnRef idx="2">
+            <a:schemeClr val="dk1"/>
+          </a:lnRef>
+          <a:fillRef idx="0">
+            <a:schemeClr val="dk1"/>
+          </a:fillRef>
+          <a:effectRef idx="1">
+            <a:schemeClr val="dk1"/>
+          </a:effectRef>
+          <a:fontRef idx="minor">
+            <a:schemeClr val="tx1"/>
+          </a:fontRef>
+        </p:style>
+      </p:cxnSp>
+      <p:cxnSp>
+        <p:nvCxnSpPr>
+          <p:cNvPr id="65" name="Straight Arrow Connector 64">
+            <a:extLst>
+              <a:ext uri="{FF2B5EF4-FFF2-40B4-BE49-F238E27FC236}">
+                <a16:creationId xmlns:a16="http://schemas.microsoft.com/office/drawing/2014/main" id="{BED4E0B6-CB15-D63C-24AD-B77CC9CC2E80}"/>
+              </a:ext>
+            </a:extLst>
+          </p:cNvPr>
+          <p:cNvCxnSpPr>
+            <a:cxnSpLocks/>
+            <a:stCxn id="23" idx="3"/>
+            <a:endCxn id="17" idx="1"/>
+          </p:cNvCxnSpPr>
+          <p:nvPr/>
+        </p:nvCxnSpPr>
+        <p:spPr>
+          <a:xfrm flipV="1">
+            <a:off x="19349862" y="2928351"/>
+            <a:ext cx="284127" cy="10676"/>
+          </a:xfrm>
+          <a:prstGeom prst="straightConnector1">
+            <a:avLst/>
+          </a:prstGeom>
+          <a:ln>
+            <a:tailEnd type="triangle"/>
+          </a:ln>
+          <a:effectLst/>
+        </p:spPr>
+        <p:style>
+          <a:lnRef idx="2">
+            <a:schemeClr val="dk1"/>
+          </a:lnRef>
+          <a:fillRef idx="0">
+            <a:schemeClr val="dk1"/>
+          </a:fillRef>
+          <a:effectRef idx="1">
+            <a:schemeClr val="dk1"/>
+          </a:effectRef>
+          <a:fontRef idx="minor">
+            <a:schemeClr val="tx1"/>
+          </a:fontRef>
+        </p:style>
+      </p:cxnSp>
+      <p:cxnSp>
+        <p:nvCxnSpPr>
+          <p:cNvPr id="1067" name="Straight Arrow Connector 1066">
+            <a:extLst>
+              <a:ext uri="{FF2B5EF4-FFF2-40B4-BE49-F238E27FC236}">
+                <a16:creationId xmlns:a16="http://schemas.microsoft.com/office/drawing/2014/main" id="{550E284E-1408-EBAE-DD7E-EADBCE9ACCA4}"/>
+              </a:ext>
+            </a:extLst>
+          </p:cNvPr>
+          <p:cNvCxnSpPr>
+            <a:cxnSpLocks/>
+            <a:stCxn id="18" idx="3"/>
+            <a:endCxn id="14" idx="1"/>
+          </p:cNvCxnSpPr>
+          <p:nvPr/>
+        </p:nvCxnSpPr>
+        <p:spPr>
+          <a:xfrm flipV="1">
+            <a:off x="3967392" y="2928352"/>
+            <a:ext cx="186254" cy="10675"/>
+          </a:xfrm>
+          <a:prstGeom prst="straightConnector1">
+            <a:avLst/>
+          </a:prstGeom>
+          <a:ln>
+            <a:tailEnd type="triangle"/>
+          </a:ln>
+          <a:effectLst/>
+        </p:spPr>
+        <p:style>
+          <a:lnRef idx="2">
+            <a:schemeClr val="dk1"/>
+          </a:lnRef>
+          <a:fillRef idx="0">
+            <a:schemeClr val="dk1"/>
+          </a:fillRef>
+          <a:effectRef idx="1">
+            <a:schemeClr val="dk1"/>
+          </a:effectRef>
+          <a:fontRef idx="minor">
+            <a:schemeClr val="tx1"/>
+          </a:fontRef>
+        </p:style>
+      </p:cxnSp>
+      <p:cxnSp>
+        <p:nvCxnSpPr>
+          <p:cNvPr id="1076" name="Connector: Elbow 1075">
+            <a:extLst>
+              <a:ext uri="{FF2B5EF4-FFF2-40B4-BE49-F238E27FC236}">
+                <a16:creationId xmlns:a16="http://schemas.microsoft.com/office/drawing/2014/main" id="{D73F659A-907E-F560-43C0-1368412AB95D}"/>
+              </a:ext>
+            </a:extLst>
+          </p:cNvPr>
+          <p:cNvCxnSpPr>
+            <a:cxnSpLocks/>
+            <a:stCxn id="18" idx="0"/>
+            <a:endCxn id="25" idx="1"/>
+          </p:cNvCxnSpPr>
+          <p:nvPr/>
+        </p:nvCxnSpPr>
+        <p:spPr>
+          <a:xfrm rot="16200000" flipH="1">
+            <a:off x="5852847" y="-318600"/>
+            <a:ext cx="96311" cy="5555957"/>
+          </a:xfrm>
+          <a:prstGeom prst="bentConnector4">
+            <a:avLst>
+              <a:gd name="adj1" fmla="val -1083926"/>
+              <a:gd name="adj2" fmla="val 62948"/>
+            </a:avLst>
+          </a:prstGeom>
+          <a:ln>
+            <a:tailEnd type="triangle"/>
+          </a:ln>
+          <a:effectLst/>
+        </p:spPr>
+        <p:style>
+          <a:lnRef idx="2">
+            <a:schemeClr val="dk1"/>
+          </a:lnRef>
+          <a:fillRef idx="0">
+            <a:schemeClr val="dk1"/>
+          </a:fillRef>
+          <a:effectRef idx="1">
+            <a:schemeClr val="dk1"/>
+          </a:effectRef>
+          <a:fontRef idx="minor">
+            <a:schemeClr val="tx1"/>
+          </a:fontRef>
+        </p:style>
+      </p:cxnSp>
+      <p:cxnSp>
+        <p:nvCxnSpPr>
+          <p:cNvPr id="1082" name="Connector: Elbow 1081">
+            <a:extLst>
+              <a:ext uri="{FF2B5EF4-FFF2-40B4-BE49-F238E27FC236}">
+                <a16:creationId xmlns:a16="http://schemas.microsoft.com/office/drawing/2014/main" id="{B0F592AD-735F-7097-AA1F-93BFE1A6A3D2}"/>
+              </a:ext>
+            </a:extLst>
+          </p:cNvPr>
+          <p:cNvCxnSpPr>
+            <a:cxnSpLocks/>
+          </p:cNvCxnSpPr>
+          <p:nvPr/>
+        </p:nvCxnSpPr>
+        <p:spPr>
+          <a:xfrm rot="5400000" flipH="1" flipV="1">
+            <a:off x="6954454" y="-4292646"/>
+            <a:ext cx="1188667" cy="12263796"/>
+          </a:xfrm>
+          <a:prstGeom prst="bentConnector3">
+            <a:avLst>
+              <a:gd name="adj1" fmla="val 134427"/>
+            </a:avLst>
+          </a:prstGeom>
+          <a:ln>
+            <a:tailEnd type="triangle"/>
+          </a:ln>
+          <a:effectLst/>
+        </p:spPr>
+        <p:style>
+          <a:lnRef idx="2">
+            <a:schemeClr val="dk1"/>
+          </a:lnRef>
+          <a:fillRef idx="0">
+            <a:schemeClr val="dk1"/>
+          </a:fillRef>
+          <a:effectRef idx="1">
+            <a:schemeClr val="dk1"/>
+          </a:effectRef>
+          <a:fontRef idx="minor">
+            <a:schemeClr val="tx1"/>
+          </a:fontRef>
+        </p:style>
+      </p:cxnSp>
+      <p:cxnSp>
+        <p:nvCxnSpPr>
+          <p:cNvPr id="1096" name="Connector: Elbow 1095">
+            <a:extLst>
+              <a:ext uri="{FF2B5EF4-FFF2-40B4-BE49-F238E27FC236}">
+                <a16:creationId xmlns:a16="http://schemas.microsoft.com/office/drawing/2014/main" id="{177AD0F8-AFB6-B2CA-187B-3559B9813BBB}"/>
+              </a:ext>
+            </a:extLst>
+          </p:cNvPr>
+          <p:cNvCxnSpPr>
+            <a:cxnSpLocks/>
+            <a:stCxn id="14" idx="3"/>
+            <a:endCxn id="4" idx="1"/>
+          </p:cNvCxnSpPr>
+          <p:nvPr/>
+        </p:nvCxnSpPr>
+        <p:spPr>
+          <a:xfrm>
+            <a:off x="6390499" y="2928352"/>
+            <a:ext cx="473146" cy="268871"/>
+          </a:xfrm>
+          <a:prstGeom prst="bentConnector3">
+            <a:avLst>
+              <a:gd name="adj1" fmla="val 50000"/>
+            </a:avLst>
+          </a:prstGeom>
+          <a:ln>
+            <a:tailEnd type="triangle"/>
+          </a:ln>
+          <a:effectLst/>
+        </p:spPr>
+        <p:style>
+          <a:lnRef idx="2">
+            <a:schemeClr val="dk1"/>
+          </a:lnRef>
+          <a:fillRef idx="0">
+            <a:schemeClr val="dk1"/>
+          </a:fillRef>
+          <a:effectRef idx="1">
+            <a:schemeClr val="dk1"/>
+          </a:effectRef>
+          <a:fontRef idx="minor">
+            <a:schemeClr val="tx1"/>
+          </a:fontRef>
+        </p:style>
+      </p:cxnSp>
+      <p:cxnSp>
+        <p:nvCxnSpPr>
+          <p:cNvPr id="1209" name="Connector: Elbow 1208">
+            <a:extLst>
+              <a:ext uri="{FF2B5EF4-FFF2-40B4-BE49-F238E27FC236}">
+                <a16:creationId xmlns:a16="http://schemas.microsoft.com/office/drawing/2014/main" id="{ABBAE461-97B8-C440-0036-F16B27C3C88E}"/>
+              </a:ext>
+            </a:extLst>
+          </p:cNvPr>
+          <p:cNvCxnSpPr>
+            <a:cxnSpLocks/>
+            <a:stCxn id="25" idx="3"/>
+            <a:endCxn id="15" idx="1"/>
+          </p:cNvCxnSpPr>
+          <p:nvPr/>
+        </p:nvCxnSpPr>
+        <p:spPr>
+          <a:xfrm>
+            <a:off x="11985068" y="2507534"/>
+            <a:ext cx="598344" cy="425239"/>
+          </a:xfrm>
+          <a:prstGeom prst="bentConnector3">
+            <a:avLst>
+              <a:gd name="adj1" fmla="val 50000"/>
+            </a:avLst>
+          </a:prstGeom>
+          <a:ln>
+            <a:tailEnd type="triangle"/>
+          </a:ln>
+          <a:effectLst/>
+        </p:spPr>
+        <p:style>
+          <a:lnRef idx="2">
+            <a:schemeClr val="dk1"/>
+          </a:lnRef>
+          <a:fillRef idx="0">
+            <a:schemeClr val="dk1"/>
+          </a:fillRef>
+          <a:effectRef idx="1">
+            <a:schemeClr val="dk1"/>
+          </a:effectRef>
+          <a:fontRef idx="minor">
+            <a:schemeClr val="tx1"/>
+          </a:fontRef>
+        </p:style>
+      </p:cxnSp>
+      <p:pic>
+        <p:nvPicPr>
+          <p:cNvPr id="1226" name="Graphic 1225" descr="Magnifying glass with solid fill">
+            <a:extLst>
+              <a:ext uri="{FF2B5EF4-FFF2-40B4-BE49-F238E27FC236}">
+                <a16:creationId xmlns:a16="http://schemas.microsoft.com/office/drawing/2014/main" id="{758B62C9-3955-24ED-57BB-E5CA4AC4FB7E}"/>
+              </a:ext>
+            </a:extLst>
+          </p:cNvPr>
+          <p:cNvPicPr>
+            <a:picLocks noChangeAspect="1"/>
+          </p:cNvPicPr>
+          <p:nvPr/>
+        </p:nvPicPr>
+        <p:blipFill>
+          <a:blip r:embed="rId7">
+            <a:extLst>
+              <a:ext uri="{28A0092B-C50C-407E-A947-70E740481C1C}">
+                <a14:useLocalDpi xmlns:a14="http://schemas.microsoft.com/office/drawing/2010/main" val="0"/>
+              </a:ext>
+              <a:ext uri="{96DAC541-7B7A-43D3-8B79-37D633B846F1}">
+                <asvg:svgBlip xmlns:asvg="http://schemas.microsoft.com/office/drawing/2016/SVG/main" r:embed="rId8"/>
+              </a:ext>
+            </a:extLst>
+          </a:blip>
+          <a:stretch>
+            <a:fillRect/>
+          </a:stretch>
+        </p:blipFill>
+        <p:spPr>
+          <a:xfrm>
+            <a:off x="4988748" y="1610221"/>
+            <a:ext cx="539060" cy="539060"/>
+          </a:xfrm>
+          <a:prstGeom prst="rect">
+            <a:avLst/>
+          </a:prstGeom>
+          <a:effectLst/>
+        </p:spPr>
+      </p:pic>
+      <p:grpSp>
+        <p:nvGrpSpPr>
+          <p:cNvPr id="37" name="Group 36">
+            <a:extLst>
+              <a:ext uri="{FF2B5EF4-FFF2-40B4-BE49-F238E27FC236}">
+                <a16:creationId xmlns:a16="http://schemas.microsoft.com/office/drawing/2014/main" id="{2D3A4F6F-86C5-B99F-85EE-314BE534ED9D}"/>
+              </a:ext>
+            </a:extLst>
+          </p:cNvPr>
+          <p:cNvGrpSpPr/>
+          <p:nvPr/>
+        </p:nvGrpSpPr>
+        <p:grpSpPr>
+          <a:xfrm>
+            <a:off x="8678982" y="1082050"/>
+            <a:ext cx="3306086" cy="2850967"/>
+            <a:chOff x="6223700" y="4932565"/>
+            <a:chExt cx="2430822" cy="2096191"/>
+          </a:xfrm>
+          <a:effectLst/>
+        </p:grpSpPr>
+        <p:sp>
+          <p:nvSpPr>
+            <p:cNvPr id="25" name="Rectangle: Rounded Corners 24">
+              <a:extLst>
+                <a:ext uri="{FF2B5EF4-FFF2-40B4-BE49-F238E27FC236}">
+                  <a16:creationId xmlns:a16="http://schemas.microsoft.com/office/drawing/2014/main" id="{53BF2AB2-2C14-28D3-9FA8-0C48B86BA418}"/>
+                </a:ext>
+              </a:extLst>
+            </p:cNvPr>
+            <p:cNvSpPr/>
+            <p:nvPr/>
+          </p:nvSpPr>
+          <p:spPr>
+            <a:xfrm>
+              <a:off x="6223700" y="4932565"/>
+              <a:ext cx="2430822" cy="2096191"/>
+            </a:xfrm>
+            <a:prstGeom prst="roundRect">
+              <a:avLst/>
+            </a:prstGeom>
+            <a:solidFill>
+              <a:srgbClr val="414851"/>
+            </a:solidFill>
+          </p:spPr>
+          <p:style>
+            <a:lnRef idx="2">
+              <a:schemeClr val="accent1">
+                <a:shade val="15000"/>
+              </a:schemeClr>
+            </a:lnRef>
+            <a:fillRef idx="1">
+              <a:schemeClr val="accent1"/>
+            </a:fillRef>
+            <a:effectRef idx="0">
+              <a:schemeClr val="accent1"/>
+            </a:effectRef>
+            <a:fontRef idx="minor">
+              <a:schemeClr val="lt1"/>
+            </a:fontRef>
+          </p:style>
+          <p:txBody>
+            <a:bodyPr rtlCol="0" anchor="ctr"/>
+            <a:lstStyle/>
+            <a:p>
+              <a:pPr algn="ctr"/>
+              <a:endParaRPr lang="en-GB" sz="2800" dirty="0"/>
+            </a:p>
+          </p:txBody>
+        </p:sp>
+        <p:sp>
+          <p:nvSpPr>
+            <p:cNvPr id="5" name="TextBox 4">
+              <a:extLst>
+                <a:ext uri="{FF2B5EF4-FFF2-40B4-BE49-F238E27FC236}">
+                  <a16:creationId xmlns:a16="http://schemas.microsoft.com/office/drawing/2014/main" id="{6B9DE803-04E6-9E59-0C14-8745B6575AD5}"/>
+                </a:ext>
+              </a:extLst>
+            </p:cNvPr>
+            <p:cNvSpPr txBox="1"/>
+            <p:nvPr/>
+          </p:nvSpPr>
+          <p:spPr>
+            <a:xfrm>
+              <a:off x="6663636" y="6099686"/>
+              <a:ext cx="1560172" cy="776142"/>
+            </a:xfrm>
+            <a:prstGeom prst="roundRect">
+              <a:avLst/>
+            </a:prstGeom>
+            <a:noFill/>
+            <a:ln>
+              <a:solidFill>
+                <a:schemeClr val="bg1"/>
+              </a:solidFill>
+            </a:ln>
+          </p:spPr>
+          <p:txBody>
+            <a:bodyPr wrap="square" rtlCol="0" anchor="ctr">
+              <a:spAutoFit/>
+            </a:bodyPr>
+            <a:lstStyle/>
+            <a:p>
+              <a:pPr algn="ctr"/>
+              <a:r>
+                <a:rPr lang="fr-CH" sz="2800" b="1" dirty="0">
+                  <a:solidFill>
+                    <a:schemeClr val="bg1"/>
+                  </a:solidFill>
+                </a:rPr>
+                <a:t>Training</a:t>
+              </a:r>
+            </a:p>
+            <a:p>
+              <a:pPr algn="ctr"/>
+              <a:r>
+                <a:rPr lang="fr-CH" sz="2800" dirty="0" err="1">
+                  <a:solidFill>
+                    <a:schemeClr val="bg1"/>
+                  </a:solidFill>
+                </a:rPr>
+                <a:t>Supervised</a:t>
+              </a:r>
+              <a:endParaRPr lang="fr-CH" sz="2800" dirty="0">
+                <a:solidFill>
+                  <a:schemeClr val="bg1"/>
+                </a:solidFill>
+              </a:endParaRPr>
+            </a:p>
+          </p:txBody>
+        </p:sp>
+        <p:sp>
+          <p:nvSpPr>
+            <p:cNvPr id="8" name="TextBox 7">
+              <a:extLst>
+                <a:ext uri="{FF2B5EF4-FFF2-40B4-BE49-F238E27FC236}">
+                  <a16:creationId xmlns:a16="http://schemas.microsoft.com/office/drawing/2014/main" id="{06E823AB-40B5-6404-7C16-1849A613B584}"/>
+                </a:ext>
+              </a:extLst>
+            </p:cNvPr>
+            <p:cNvSpPr txBox="1"/>
+            <p:nvPr/>
+          </p:nvSpPr>
+          <p:spPr>
+            <a:xfrm>
+              <a:off x="6318247" y="5019959"/>
+              <a:ext cx="2235199" cy="776142"/>
+            </a:xfrm>
+            <a:prstGeom prst="roundRect">
+              <a:avLst/>
+            </a:prstGeom>
+            <a:noFill/>
+            <a:ln>
+              <a:solidFill>
+                <a:schemeClr val="bg1"/>
+              </a:solidFill>
+            </a:ln>
+          </p:spPr>
+          <p:txBody>
+            <a:bodyPr wrap="square" rtlCol="0" anchor="ctr">
+              <a:spAutoFit/>
+            </a:bodyPr>
+            <a:lstStyle/>
+            <a:p>
+              <a:pPr algn="ctr"/>
+              <a:r>
+                <a:rPr lang="fr-CH" sz="2800" b="1" dirty="0">
+                  <a:solidFill>
+                    <a:schemeClr val="bg1"/>
+                  </a:solidFill>
+                </a:rPr>
+                <a:t>Training</a:t>
+              </a:r>
+            </a:p>
+            <a:p>
+              <a:pPr algn="ctr"/>
+              <a:r>
+                <a:rPr lang="fr-CH" sz="2800" dirty="0">
+                  <a:solidFill>
+                    <a:schemeClr val="bg1"/>
+                  </a:solidFill>
+                </a:rPr>
+                <a:t>Self-</a:t>
+              </a:r>
+              <a:r>
+                <a:rPr lang="fr-CH" sz="2800" dirty="0" err="1">
+                  <a:solidFill>
+                    <a:schemeClr val="bg1"/>
+                  </a:solidFill>
+                </a:rPr>
+                <a:t>supervised</a:t>
+              </a:r>
+              <a:endParaRPr lang="fr-CH" sz="2800" dirty="0">
+                <a:solidFill>
+                  <a:schemeClr val="bg1"/>
+                </a:solidFill>
+              </a:endParaRPr>
+            </a:p>
+          </p:txBody>
+        </p:sp>
+        <p:pic>
+          <p:nvPicPr>
+            <p:cNvPr id="1028" name="Picture 4">
+              <a:extLst>
+                <a:ext uri="{FF2B5EF4-FFF2-40B4-BE49-F238E27FC236}">
+                  <a16:creationId xmlns:a16="http://schemas.microsoft.com/office/drawing/2014/main" id="{239E0D93-BA12-C59D-00C7-D108F205EC58}"/>
+                </a:ext>
+              </a:extLst>
+            </p:cNvPr>
+            <p:cNvPicPr>
+              <a:picLocks noChangeAspect="1" noChangeArrowheads="1"/>
+            </p:cNvPicPr>
+            <p:nvPr/>
+          </p:nvPicPr>
+          <p:blipFill rotWithShape="1">
+            <a:blip r:embed="rId9">
+              <a:extLst>
+                <a:ext uri="{28A0092B-C50C-407E-A947-70E740481C1C}">
+                  <a14:useLocalDpi xmlns:a14="http://schemas.microsoft.com/office/drawing/2010/main" val="0"/>
+                </a:ext>
+              </a:extLst>
+            </a:blip>
+            <a:srcRect l="18322" t="19768" r="17808" b="16197"/>
+            <a:stretch/>
+          </p:blipFill>
+          <p:spPr bwMode="auto">
+            <a:xfrm>
+              <a:off x="7933564" y="5187172"/>
+              <a:ext cx="274515" cy="177372"/>
+            </a:xfrm>
+            <a:prstGeom prst="rect">
+              <a:avLst/>
+            </a:prstGeom>
+            <a:noFill/>
+            <a:extLst>
+              <a:ext uri="{909E8E84-426E-40DD-AFC4-6F175D3DCCD1}">
+                <a14:hiddenFill xmlns:a14="http://schemas.microsoft.com/office/drawing/2010/main">
+                  <a:solidFill>
+                    <a:srgbClr val="FFFFFF"/>
+                  </a:solidFill>
+                </a14:hiddenFill>
+              </a:ext>
+            </a:extLst>
+          </p:spPr>
+        </p:pic>
+        <p:pic>
+          <p:nvPicPr>
+            <p:cNvPr id="1234" name="Picture 8" descr="napari · GitHub">
+              <a:extLst>
+                <a:ext uri="{FF2B5EF4-FFF2-40B4-BE49-F238E27FC236}">
+                  <a16:creationId xmlns:a16="http://schemas.microsoft.com/office/drawing/2014/main" id="{67AA0CA8-9EF0-BB38-8920-93AB3346C7C6}"/>
+                </a:ext>
+              </a:extLst>
+            </p:cNvPr>
+            <p:cNvPicPr>
+              <a:picLocks noChangeAspect="1" noChangeArrowheads="1"/>
+            </p:cNvPicPr>
+            <p:nvPr/>
+          </p:nvPicPr>
+          <p:blipFill>
+            <a:blip r:embed="rId6">
+              <a:extLst>
+                <a:ext uri="{28A0092B-C50C-407E-A947-70E740481C1C}">
+                  <a14:useLocalDpi xmlns:a14="http://schemas.microsoft.com/office/drawing/2010/main" val="0"/>
+                </a:ext>
+              </a:extLst>
+            </a:blip>
+            <a:srcRect/>
+            <a:stretch>
+              <a:fillRect/>
+            </a:stretch>
+          </p:blipFill>
+          <p:spPr bwMode="auto">
+            <a:xfrm>
+              <a:off x="8292249" y="5163332"/>
+              <a:ext cx="201215" cy="201215"/>
+            </a:xfrm>
+            <a:prstGeom prst="rect">
+              <a:avLst/>
+            </a:prstGeom>
+            <a:noFill/>
+            <a:extLst>
+              <a:ext uri="{909E8E84-426E-40DD-AFC4-6F175D3DCCD1}">
+                <a14:hiddenFill xmlns:a14="http://schemas.microsoft.com/office/drawing/2010/main">
+                  <a:solidFill>
+                    <a:srgbClr val="FFFFFF"/>
+                  </a:solidFill>
+                </a14:hiddenFill>
+              </a:ext>
+            </a:extLst>
+          </p:spPr>
+        </p:pic>
+        <p:cxnSp>
+          <p:nvCxnSpPr>
+            <p:cNvPr id="1236" name="Straight Connector 1235">
+              <a:extLst>
+                <a:ext uri="{FF2B5EF4-FFF2-40B4-BE49-F238E27FC236}">
+                  <a16:creationId xmlns:a16="http://schemas.microsoft.com/office/drawing/2014/main" id="{EB03E089-F91B-94A5-1DC3-77114021218A}"/>
+                </a:ext>
+              </a:extLst>
+            </p:cNvPr>
+            <p:cNvCxnSpPr>
+              <a:cxnSpLocks/>
+            </p:cNvCxnSpPr>
+            <p:nvPr/>
+          </p:nvCxnSpPr>
+          <p:spPr>
+            <a:xfrm flipH="1">
+              <a:off x="8199922" y="5187176"/>
+              <a:ext cx="80212" cy="177372"/>
+            </a:xfrm>
+            <a:prstGeom prst="line">
+              <a:avLst/>
+            </a:prstGeom>
+            <a:ln>
+              <a:solidFill>
+                <a:schemeClr val="bg1"/>
+              </a:solidFill>
+            </a:ln>
+          </p:spPr>
+          <p:style>
+            <a:lnRef idx="2">
+              <a:schemeClr val="accent1"/>
+            </a:lnRef>
+            <a:fillRef idx="0">
+              <a:schemeClr val="accent1"/>
+            </a:fillRef>
+            <a:effectRef idx="1">
+              <a:schemeClr val="accent1"/>
+            </a:effectRef>
+            <a:fontRef idx="minor">
+              <a:schemeClr val="tx1"/>
+            </a:fontRef>
+          </p:style>
+        </p:cxnSp>
+        <p:pic>
+          <p:nvPicPr>
+            <p:cNvPr id="1244" name="Graphic 1243" descr="Downward trend graph with solid fill">
+              <a:extLst>
+                <a:ext uri="{FF2B5EF4-FFF2-40B4-BE49-F238E27FC236}">
+                  <a16:creationId xmlns:a16="http://schemas.microsoft.com/office/drawing/2014/main" id="{9E2A751E-53DC-31A3-5121-54A3EAFBA30B}"/>
+                </a:ext>
+              </a:extLst>
+            </p:cNvPr>
+            <p:cNvPicPr>
+              <a:picLocks noChangeAspect="1"/>
+            </p:cNvPicPr>
+            <p:nvPr/>
+          </p:nvPicPr>
+          <p:blipFill>
+            <a:blip r:embed="rId10">
+              <a:extLst>
+                <a:ext uri="{28A0092B-C50C-407E-A947-70E740481C1C}">
+                  <a14:useLocalDpi xmlns:a14="http://schemas.microsoft.com/office/drawing/2010/main" val="0"/>
+                </a:ext>
+                <a:ext uri="{96DAC541-7B7A-43D3-8B79-37D633B846F1}">
+                  <asvg:svgBlip xmlns:asvg="http://schemas.microsoft.com/office/drawing/2016/SVG/main" r:embed="rId11"/>
+                </a:ext>
+              </a:extLst>
+            </a:blip>
+            <a:stretch>
+              <a:fillRect/>
+            </a:stretch>
+          </p:blipFill>
+          <p:spPr>
+            <a:xfrm>
+              <a:off x="7254212" y="5760375"/>
+              <a:ext cx="372764" cy="372764"/>
+            </a:xfrm>
+            <a:prstGeom prst="rect">
+              <a:avLst/>
+            </a:prstGeom>
+          </p:spPr>
+        </p:pic>
+      </p:grpSp>
+      <p:pic>
+        <p:nvPicPr>
+          <p:cNvPr id="9" name="Picture 8" descr="napari · GitHub">
+            <a:extLst>
+              <a:ext uri="{FF2B5EF4-FFF2-40B4-BE49-F238E27FC236}">
+                <a16:creationId xmlns:a16="http://schemas.microsoft.com/office/drawing/2014/main" id="{8B680CFA-927B-8656-8DC2-84DB037103F3}"/>
+              </a:ext>
+            </a:extLst>
+          </p:cNvPr>
+          <p:cNvPicPr>
+            <a:picLocks noChangeAspect="1" noChangeArrowheads="1"/>
+          </p:cNvPicPr>
+          <p:nvPr/>
+        </p:nvPicPr>
+        <p:blipFill>
+          <a:blip r:embed="rId6">
+            <a:extLst>
+              <a:ext uri="{28A0092B-C50C-407E-A947-70E740481C1C}">
+                <a14:useLocalDpi xmlns:a14="http://schemas.microsoft.com/office/drawing/2010/main" val="0"/>
+              </a:ext>
+            </a:extLst>
+          </a:blip>
+          <a:srcRect/>
+          <a:stretch>
+            <a:fillRect/>
+          </a:stretch>
+        </p:blipFill>
+        <p:spPr bwMode="auto">
+          <a:xfrm>
+            <a:off x="5944099" y="2373123"/>
+            <a:ext cx="325837" cy="325837"/>
+          </a:xfrm>
+          <a:prstGeom prst="rect">
+            <a:avLst/>
+          </a:prstGeom>
+          <a:noFill/>
+          <a:effectLst/>
+          <a:extLst>
+            <a:ext uri="{909E8E84-426E-40DD-AFC4-6F175D3DCCD1}">
+              <a14:hiddenFill xmlns:a14="http://schemas.microsoft.com/office/drawing/2010/main">
+                <a:solidFill>
+                  <a:srgbClr val="FFFFFF"/>
+                </a:solidFill>
+              </a14:hiddenFill>
+            </a:ext>
+          </a:extLst>
+        </p:spPr>
+      </p:pic>
+      <p:cxnSp>
+        <p:nvCxnSpPr>
+          <p:cNvPr id="29" name="Straight Arrow Connector 28">
+            <a:extLst>
+              <a:ext uri="{FF2B5EF4-FFF2-40B4-BE49-F238E27FC236}">
+                <a16:creationId xmlns:a16="http://schemas.microsoft.com/office/drawing/2014/main" id="{D79B7268-EE9D-FF1F-0EBD-DBBC95B94BE3}"/>
+              </a:ext>
+            </a:extLst>
+          </p:cNvPr>
+          <p:cNvCxnSpPr>
+            <a:cxnSpLocks/>
+            <a:stCxn id="4" idx="3"/>
+            <a:endCxn id="5" idx="1"/>
+          </p:cNvCxnSpPr>
+          <p:nvPr/>
+        </p:nvCxnSpPr>
+        <p:spPr>
+          <a:xfrm flipV="1">
+            <a:off x="8294145" y="3197221"/>
+            <a:ext cx="983180" cy="2"/>
+          </a:xfrm>
+          <a:prstGeom prst="straightConnector1">
+            <a:avLst/>
+          </a:prstGeom>
+          <a:ln>
+            <a:solidFill>
+              <a:schemeClr val="tx1">
+                <a:lumMod val="50000"/>
+                <a:lumOff val="50000"/>
+              </a:schemeClr>
+            </a:solidFill>
+            <a:tailEnd type="triangle"/>
+          </a:ln>
+          <a:effectLst/>
+        </p:spPr>
+        <p:style>
+          <a:lnRef idx="2">
+            <a:schemeClr val="dk1"/>
+          </a:lnRef>
+          <a:fillRef idx="0">
+            <a:schemeClr val="dk1"/>
+          </a:fillRef>
+          <a:effectRef idx="1">
+            <a:schemeClr val="dk1"/>
+          </a:effectRef>
+          <a:fontRef idx="minor">
+            <a:schemeClr val="tx1"/>
+          </a:fontRef>
+        </p:style>
+      </p:cxnSp>
+      <p:pic>
+        <p:nvPicPr>
+          <p:cNvPr id="55" name="Picture 4">
+            <a:extLst>
+              <a:ext uri="{FF2B5EF4-FFF2-40B4-BE49-F238E27FC236}">
+                <a16:creationId xmlns:a16="http://schemas.microsoft.com/office/drawing/2014/main" id="{2546FA48-5636-0397-02CF-819CB3A66655}"/>
+              </a:ext>
+            </a:extLst>
+          </p:cNvPr>
+          <p:cNvPicPr>
+            <a:picLocks noChangeAspect="1" noChangeArrowheads="1"/>
+          </p:cNvPicPr>
+          <p:nvPr/>
+        </p:nvPicPr>
+        <p:blipFill rotWithShape="1">
+          <a:blip r:embed="rId9">
+            <a:extLst>
+              <a:ext uri="{28A0092B-C50C-407E-A947-70E740481C1C}">
+                <a14:useLocalDpi xmlns:a14="http://schemas.microsoft.com/office/drawing/2010/main" val="0"/>
+              </a:ext>
+            </a:extLst>
+          </a:blip>
+          <a:srcRect l="18322" t="19768" r="17808" b="16197"/>
+          <a:stretch/>
+        </p:blipFill>
+        <p:spPr bwMode="auto">
+          <a:xfrm>
+            <a:off x="4861443" y="6756400"/>
+            <a:ext cx="3817539" cy="2466622"/>
+          </a:xfrm>
+          <a:prstGeom prst="rect">
+            <a:avLst/>
+          </a:prstGeom>
+          <a:noFill/>
+          <a:extLst>
+            <a:ext uri="{909E8E84-426E-40DD-AFC4-6F175D3DCCD1}">
+              <a14:hiddenFill xmlns:a14="http://schemas.microsoft.com/office/drawing/2010/main">
+                <a:solidFill>
+                  <a:srgbClr val="FFFFFF"/>
+                </a:solidFill>
+              </a14:hiddenFill>
+            </a:ext>
+          </a:extLst>
+        </p:spPr>
+      </p:pic>
+      <p:pic>
+        <p:nvPicPr>
+          <p:cNvPr id="56" name="Picture 55" descr="napari · GitHub">
+            <a:extLst>
+              <a:ext uri="{FF2B5EF4-FFF2-40B4-BE49-F238E27FC236}">
+                <a16:creationId xmlns:a16="http://schemas.microsoft.com/office/drawing/2014/main" id="{208B0C00-59C4-5BC1-5A60-D240AC9C5430}"/>
+              </a:ext>
+            </a:extLst>
+          </p:cNvPr>
+          <p:cNvPicPr>
+            <a:picLocks noChangeAspect="1" noChangeArrowheads="1"/>
+          </p:cNvPicPr>
+          <p:nvPr/>
+        </p:nvPicPr>
+        <p:blipFill>
+          <a:blip r:embed="rId6">
+            <a:extLst>
+              <a:ext uri="{28A0092B-C50C-407E-A947-70E740481C1C}">
+                <a14:useLocalDpi xmlns:a14="http://schemas.microsoft.com/office/drawing/2010/main" val="0"/>
+              </a:ext>
+            </a:extLst>
+          </a:blip>
+          <a:srcRect/>
+          <a:stretch>
+            <a:fillRect/>
+          </a:stretch>
+        </p:blipFill>
+        <p:spPr bwMode="auto">
+          <a:xfrm>
+            <a:off x="9630297" y="5593645"/>
+            <a:ext cx="4345109" cy="4345109"/>
+          </a:xfrm>
+          <a:prstGeom prst="rect">
+            <a:avLst/>
+          </a:prstGeom>
+          <a:noFill/>
+          <a:effectLst/>
+          <a:extLst>
+            <a:ext uri="{909E8E84-426E-40DD-AFC4-6F175D3DCCD1}">
+              <a14:hiddenFill xmlns:a14="http://schemas.microsoft.com/office/drawing/2010/main">
+                <a:solidFill>
+                  <a:srgbClr val="FFFFFF"/>
+                </a:solidFill>
+              </a14:hiddenFill>
+            </a:ext>
+          </a:extLst>
+        </p:spPr>
+      </p:pic>
+    </p:spTree>
+    <p:extLst>
+      <p:ext uri="{BB962C8B-B14F-4D97-AF65-F5344CB8AC3E}">
+        <p14:creationId xmlns:p14="http://schemas.microsoft.com/office/powerpoint/2010/main" val="2501447885"/>
+      </p:ext>
+    </p:extLst>
+  </p:cSld>
+  <p:clrMapOvr>
+    <a:masterClrMapping/>
+  </p:clrMapOvr>
+</p:sld>
+</file>
+
+<file path=ppt/slides/slide2.xml><?xml version="1.0" encoding="utf-8"?>
+<p:sld xmlns:a="http://schemas.openxmlformats.org/drawingml/2006/main" xmlns:r="http://schemas.openxmlformats.org/officeDocument/2006/relationships" xmlns:p="http://schemas.openxmlformats.org/presentationml/2006/main" show="0">
   <p:cSld>
     <p:spTree>
       <p:nvGrpSpPr>

--- a/other/workflow.pptx
+++ b/other/workflow.pptx
@@ -3223,7 +3223,7 @@
                     <a:schemeClr val="bg1"/>
                   </a:solidFill>
                 </a:rPr>
-                <a:t>Review</a:t>
+                <a:t>Labeling</a:t>
               </a:r>
               <a:endParaRPr lang="fr-CH" sz="2800" b="1" dirty="0">
                 <a:solidFill>
@@ -3384,147 +3384,6 @@
         </p:pic>
         <p:pic>
           <p:nvPicPr>
-            <p:cNvPr id="10" name="Picture 9" descr="napari · GitHub">
-              <a:extLst>
-                <a:ext uri="{FF2B5EF4-FFF2-40B4-BE49-F238E27FC236}">
-                  <a16:creationId xmlns:a16="http://schemas.microsoft.com/office/drawing/2014/main" id="{A149C26E-3841-D83F-EBE7-F005875DF2EA}"/>
-                </a:ext>
-              </a:extLst>
-            </p:cNvPr>
-            <p:cNvPicPr>
-              <a:picLocks noChangeAspect="1" noChangeArrowheads="1"/>
-            </p:cNvPicPr>
-            <p:nvPr/>
-          </p:nvPicPr>
-          <p:blipFill>
-            <a:blip r:embed="rId6">
-              <a:extLst>
-                <a:ext uri="{28A0092B-C50C-407E-A947-70E740481C1C}">
-                  <a14:useLocalDpi xmlns:a14="http://schemas.microsoft.com/office/drawing/2010/main" val="0"/>
-                </a:ext>
-              </a:extLst>
-            </a:blip>
-            <a:srcRect/>
-            <a:stretch>
-              <a:fillRect/>
-            </a:stretch>
-          </p:blipFill>
-          <p:spPr bwMode="auto">
-            <a:xfrm>
-              <a:off x="10502026" y="6195391"/>
-              <a:ext cx="201215" cy="201215"/>
-            </a:xfrm>
-            <a:prstGeom prst="rect">
-              <a:avLst/>
-            </a:prstGeom>
-            <a:noFill/>
-            <a:extLst>
-              <a:ext uri="{909E8E84-426E-40DD-AFC4-6F175D3DCCD1}">
-                <a14:hiddenFill xmlns:a14="http://schemas.microsoft.com/office/drawing/2010/main">
-                  <a:solidFill>
-                    <a:srgbClr val="FFFFFF"/>
-                  </a:solidFill>
-                </a14:hiddenFill>
-              </a:ext>
-            </a:extLst>
-          </p:spPr>
-        </p:pic>
-        <p:pic>
-          <p:nvPicPr>
-            <p:cNvPr id="26" name="Picture 25" descr="napari · GitHub">
-              <a:extLst>
-                <a:ext uri="{FF2B5EF4-FFF2-40B4-BE49-F238E27FC236}">
-                  <a16:creationId xmlns:a16="http://schemas.microsoft.com/office/drawing/2014/main" id="{3D9F745B-C776-733A-89AC-66D6048DD700}"/>
-                </a:ext>
-              </a:extLst>
-            </p:cNvPr>
-            <p:cNvPicPr>
-              <a:picLocks noChangeAspect="1" noChangeArrowheads="1"/>
-            </p:cNvPicPr>
-            <p:nvPr/>
-          </p:nvPicPr>
-          <p:blipFill>
-            <a:blip r:embed="rId6">
-              <a:extLst>
-                <a:ext uri="{28A0092B-C50C-407E-A947-70E740481C1C}">
-                  <a14:useLocalDpi xmlns:a14="http://schemas.microsoft.com/office/drawing/2010/main" val="0"/>
-                </a:ext>
-              </a:extLst>
-            </a:blip>
-            <a:srcRect/>
-            <a:stretch>
-              <a:fillRect/>
-            </a:stretch>
-          </p:blipFill>
-          <p:spPr bwMode="auto">
-            <a:xfrm>
-              <a:off x="12349836" y="5859434"/>
-              <a:ext cx="261990" cy="261990"/>
-            </a:xfrm>
-            <a:prstGeom prst="rect">
-              <a:avLst/>
-            </a:prstGeom>
-            <a:noFill/>
-            <a:extLst>
-              <a:ext uri="{909E8E84-426E-40DD-AFC4-6F175D3DCCD1}">
-                <a14:hiddenFill xmlns:a14="http://schemas.microsoft.com/office/drawing/2010/main">
-                  <a:solidFill>
-                    <a:srgbClr val="FFFFFF"/>
-                  </a:solidFill>
-                </a14:hiddenFill>
-              </a:ext>
-            </a:extLst>
-          </p:spPr>
-        </p:pic>
-        <p:pic>
-          <p:nvPicPr>
-            <p:cNvPr id="27" name="Picture 26" descr="napari · GitHub">
-              <a:extLst>
-                <a:ext uri="{FF2B5EF4-FFF2-40B4-BE49-F238E27FC236}">
-                  <a16:creationId xmlns:a16="http://schemas.microsoft.com/office/drawing/2014/main" id="{94A4C56E-A731-DBE0-45E9-929A01E9652C}"/>
-                </a:ext>
-              </a:extLst>
-            </p:cNvPr>
-            <p:cNvPicPr>
-              <a:picLocks noChangeAspect="1" noChangeArrowheads="1"/>
-            </p:cNvPicPr>
-            <p:nvPr/>
-          </p:nvPicPr>
-          <p:blipFill>
-            <a:blip r:embed="rId6">
-              <a:extLst>
-                <a:ext uri="{28A0092B-C50C-407E-A947-70E740481C1C}">
-                  <a14:useLocalDpi xmlns:a14="http://schemas.microsoft.com/office/drawing/2010/main" val="0"/>
-                </a:ext>
-              </a:extLst>
-            </a:blip>
-            <a:srcRect/>
-            <a:stretch>
-              <a:fillRect/>
-            </a:stretch>
-          </p:blipFill>
-          <p:spPr bwMode="auto">
-            <a:xfrm>
-              <a:off x="15757778" y="5661832"/>
-              <a:ext cx="295120" cy="295120"/>
-            </a:xfrm>
-            <a:prstGeom prst="rect">
-              <a:avLst/>
-            </a:prstGeom>
-            <a:noFill/>
-            <a:extLst>
-              <a:ext uri="{909E8E84-426E-40DD-AFC4-6F175D3DCCD1}">
-                <a14:hiddenFill xmlns:a14="http://schemas.microsoft.com/office/drawing/2010/main">
-                  <a:solidFill>
-                    <a:srgbClr val="FFFFFF"/>
-                  </a:solidFill>
-                </a14:hiddenFill>
-              </a:ext>
-            </a:extLst>
-          </p:spPr>
-        </p:pic>
-        <p:pic>
-          <p:nvPicPr>
             <p:cNvPr id="31" name="Graphic 30" descr="Magnifying glass with solid fill">
               <a:extLst>
                 <a:ext uri="{FF2B5EF4-FFF2-40B4-BE49-F238E27FC236}">
@@ -3538,13 +3397,13 @@
             <p:nvPr/>
           </p:nvPicPr>
           <p:blipFill>
-            <a:blip r:embed="rId7">
+            <a:blip r:embed="rId6">
               <a:extLst>
                 <a:ext uri="{28A0092B-C50C-407E-A947-70E740481C1C}">
                   <a14:useLocalDpi xmlns:a14="http://schemas.microsoft.com/office/drawing/2010/main" val="0"/>
                 </a:ext>
                 <a:ext uri="{96DAC541-7B7A-43D3-8B79-37D633B846F1}">
-                  <asvg:svgBlip xmlns:asvg="http://schemas.microsoft.com/office/drawing/2016/SVG/main" r:embed="rId8"/>
+                  <asvg:svgBlip xmlns:asvg="http://schemas.microsoft.com/office/drawing/2016/SVG/main" r:embed="rId7"/>
                 </a:ext>
               </a:extLst>
             </a:blip>
@@ -3692,7 +3551,7 @@
                   <a:schemeClr val="bg1"/>
                 </a:solidFill>
               </a:rPr>
-              <a:t>Review</a:t>
+              <a:t>Labeling</a:t>
             </a:r>
             <a:endParaRPr lang="fr-CH" sz="2800" b="1" dirty="0">
               <a:solidFill>
@@ -4284,13 +4143,13 @@
           <p:nvPr/>
         </p:nvPicPr>
         <p:blipFill>
-          <a:blip r:embed="rId7">
+          <a:blip r:embed="rId6">
             <a:extLst>
               <a:ext uri="{28A0092B-C50C-407E-A947-70E740481C1C}">
                 <a14:useLocalDpi xmlns:a14="http://schemas.microsoft.com/office/drawing/2010/main" val="0"/>
               </a:ext>
               <a:ext uri="{96DAC541-7B7A-43D3-8B79-37D633B846F1}">
-                <asvg:svgBlip xmlns:asvg="http://schemas.microsoft.com/office/drawing/2016/SVG/main" r:embed="rId8"/>
+                <asvg:svgBlip xmlns:asvg="http://schemas.microsoft.com/office/drawing/2016/SVG/main" r:embed="rId7"/>
               </a:ext>
             </a:extLst>
           </a:blip>
@@ -4509,98 +4368,6 @@
             </a:p>
           </p:txBody>
         </p:sp>
-        <p:pic>
-          <p:nvPicPr>
-            <p:cNvPr id="1028" name="Picture 4">
-              <a:extLst>
-                <a:ext uri="{FF2B5EF4-FFF2-40B4-BE49-F238E27FC236}">
-                  <a16:creationId xmlns:a16="http://schemas.microsoft.com/office/drawing/2014/main" id="{239E0D93-BA12-C59D-00C7-D108F205EC58}"/>
-                </a:ext>
-              </a:extLst>
-            </p:cNvPr>
-            <p:cNvPicPr>
-              <a:picLocks noChangeAspect="1" noChangeArrowheads="1"/>
-            </p:cNvPicPr>
-            <p:nvPr/>
-          </p:nvPicPr>
-          <p:blipFill rotWithShape="1">
-            <a:blip r:embed="rId9">
-              <a:extLst>
-                <a:ext uri="{28A0092B-C50C-407E-A947-70E740481C1C}">
-                  <a14:useLocalDpi xmlns:a14="http://schemas.microsoft.com/office/drawing/2010/main" val="0"/>
-                </a:ext>
-              </a:extLst>
-            </a:blip>
-            <a:srcRect l="18322" t="19768" r="17808" b="16197"/>
-            <a:stretch/>
-          </p:blipFill>
-          <p:spPr bwMode="auto">
-            <a:xfrm>
-              <a:off x="7933564" y="5187172"/>
-              <a:ext cx="274515" cy="177372"/>
-            </a:xfrm>
-            <a:prstGeom prst="rect">
-              <a:avLst/>
-            </a:prstGeom>
-            <a:noFill/>
-            <a:extLst>
-              <a:ext uri="{909E8E84-426E-40DD-AFC4-6F175D3DCCD1}">
-                <a14:hiddenFill xmlns:a14="http://schemas.microsoft.com/office/drawing/2010/main">
-                  <a:solidFill>
-                    <a:srgbClr val="FFFFFF"/>
-                  </a:solidFill>
-                </a14:hiddenFill>
-              </a:ext>
-            </a:extLst>
-          </p:spPr>
-        </p:pic>
-        <p:pic>
-          <p:nvPicPr>
-            <p:cNvPr id="1234" name="Picture 8" descr="napari · GitHub">
-              <a:extLst>
-                <a:ext uri="{FF2B5EF4-FFF2-40B4-BE49-F238E27FC236}">
-                  <a16:creationId xmlns:a16="http://schemas.microsoft.com/office/drawing/2014/main" id="{67AA0CA8-9EF0-BB38-8920-93AB3346C7C6}"/>
-                </a:ext>
-              </a:extLst>
-            </p:cNvPr>
-            <p:cNvPicPr>
-              <a:picLocks noChangeAspect="1" noChangeArrowheads="1"/>
-            </p:cNvPicPr>
-            <p:nvPr/>
-          </p:nvPicPr>
-          <p:blipFill>
-            <a:blip r:embed="rId6">
-              <a:extLst>
-                <a:ext uri="{28A0092B-C50C-407E-A947-70E740481C1C}">
-                  <a14:useLocalDpi xmlns:a14="http://schemas.microsoft.com/office/drawing/2010/main" val="0"/>
-                </a:ext>
-              </a:extLst>
-            </a:blip>
-            <a:srcRect/>
-            <a:stretch>
-              <a:fillRect/>
-            </a:stretch>
-          </p:blipFill>
-          <p:spPr bwMode="auto">
-            <a:xfrm>
-              <a:off x="8292249" y="5163332"/>
-              <a:ext cx="201215" cy="201215"/>
-            </a:xfrm>
-            <a:prstGeom prst="rect">
-              <a:avLst/>
-            </a:prstGeom>
-            <a:noFill/>
-            <a:extLst>
-              <a:ext uri="{909E8E84-426E-40DD-AFC4-6F175D3DCCD1}">
-                <a14:hiddenFill xmlns:a14="http://schemas.microsoft.com/office/drawing/2010/main">
-                  <a:solidFill>
-                    <a:srgbClr val="FFFFFF"/>
-                  </a:solidFill>
-                </a14:hiddenFill>
-              </a:ext>
-            </a:extLst>
-          </p:spPr>
-        </p:pic>
         <p:cxnSp>
           <p:nvCxnSpPr>
             <p:cNvPr id="1236" name="Straight Connector 1235">
@@ -4659,13 +4426,13 @@
             <p:nvPr/>
           </p:nvPicPr>
           <p:blipFill>
-            <a:blip r:embed="rId10">
+            <a:blip r:embed="rId8">
               <a:extLst>
                 <a:ext uri="{28A0092B-C50C-407E-A947-70E740481C1C}">
                   <a14:useLocalDpi xmlns:a14="http://schemas.microsoft.com/office/drawing/2010/main" val="0"/>
                 </a:ext>
                 <a:ext uri="{96DAC541-7B7A-43D3-8B79-37D633B846F1}">
-                  <asvg:svgBlip xmlns:asvg="http://schemas.microsoft.com/office/drawing/2016/SVG/main" r:embed="rId11"/>
+                  <asvg:svgBlip xmlns:asvg="http://schemas.microsoft.com/office/drawing/2016/SVG/main" r:embed="rId9"/>
                 </a:ext>
               </a:extLst>
             </a:blip>
@@ -4684,54 +4451,6 @@
           </p:spPr>
         </p:pic>
       </p:grpSp>
-      <p:pic>
-        <p:nvPicPr>
-          <p:cNvPr id="9" name="Picture 8" descr="napari · GitHub">
-            <a:extLst>
-              <a:ext uri="{FF2B5EF4-FFF2-40B4-BE49-F238E27FC236}">
-                <a16:creationId xmlns:a16="http://schemas.microsoft.com/office/drawing/2014/main" id="{8B680CFA-927B-8656-8DC2-84DB037103F3}"/>
-              </a:ext>
-            </a:extLst>
-          </p:cNvPr>
-          <p:cNvPicPr>
-            <a:picLocks noChangeAspect="1" noChangeArrowheads="1"/>
-          </p:cNvPicPr>
-          <p:nvPr/>
-        </p:nvPicPr>
-        <p:blipFill>
-          <a:blip r:embed="rId6">
-            <a:extLst>
-              <a:ext uri="{28A0092B-C50C-407E-A947-70E740481C1C}">
-                <a14:useLocalDpi xmlns:a14="http://schemas.microsoft.com/office/drawing/2010/main" val="0"/>
-              </a:ext>
-            </a:extLst>
-          </a:blip>
-          <a:srcRect/>
-          <a:stretch>
-            <a:fillRect/>
-          </a:stretch>
-        </p:blipFill>
-        <p:spPr bwMode="auto">
-          <a:xfrm>
-            <a:off x="5944099" y="2373123"/>
-            <a:ext cx="325837" cy="325837"/>
-          </a:xfrm>
-          <a:prstGeom prst="rect">
-            <a:avLst/>
-          </a:prstGeom>
-          <a:noFill/>
-          <a:effectLst/>
-          <a:extLst>
-            <a:ext uri="{909E8E84-426E-40DD-AFC4-6F175D3DCCD1}">
-              <a14:hiddenFill xmlns:a14="http://schemas.microsoft.com/office/drawing/2010/main">
-                <a:solidFill>
-                  <a:srgbClr val="FFFFFF"/>
-                </a:solidFill>
-              </a14:hiddenFill>
-            </a:ext>
-          </a:extLst>
-        </p:spPr>
-      </p:pic>
       <p:cxnSp>
         <p:nvCxnSpPr>
           <p:cNvPr id="29" name="Straight Arrow Connector 28">
@@ -4797,7 +4516,7 @@
           <p:nvPr/>
         </p:nvPicPr>
         <p:blipFill rotWithShape="1">
-          <a:blip r:embed="rId9">
+          <a:blip r:embed="rId10">
             <a:extLst>
               <a:ext uri="{28A0092B-C50C-407E-A947-70E740481C1C}">
                 <a14:useLocalDpi xmlns:a14="http://schemas.microsoft.com/office/drawing/2010/main" val="0"/>
@@ -4842,7 +4561,7 @@
           <p:nvPr/>
         </p:nvPicPr>
         <p:blipFill>
-          <a:blip r:embed="rId6">
+          <a:blip r:embed="rId11">
             <a:extLst>
               <a:ext uri="{28A0092B-C50C-407E-A947-70E740481C1C}">
                 <a14:useLocalDpi xmlns:a14="http://schemas.microsoft.com/office/drawing/2010/main" val="0"/>
